--- a/ENGINEERING MECHANICS SHORTNOTES/EM Revision.pptx
+++ b/ENGINEERING MECHANICS SHORTNOTES/EM Revision.pptx
@@ -12,6 +12,9 @@
     <p:sldId id="260" r:id="rId6"/>
     <p:sldId id="261" r:id="rId7"/>
     <p:sldId id="262" r:id="rId8"/>
+    <p:sldId id="263" r:id="rId9"/>
+    <p:sldId id="264" r:id="rId10"/>
+    <p:sldId id="265" r:id="rId11"/>
   </p:sldIdLst>
   <p:sldSz cx="12192000" cy="6858000"/>
   <p:notesSz cx="6858000" cy="9144000"/>
@@ -267,7 +270,7 @@
           <a:p>
             <a:fld id="{EA402788-B3D0-4CAD-96CC-4B452FA47DBC}" type="datetimeFigureOut">
               <a:rPr lang="en-IN" smtClean="0"/>
-              <a:t>08-02-2023</a:t>
+              <a:t>09-02-2023</a:t>
             </a:fld>
             <a:endParaRPr lang="en-IN"/>
           </a:p>
@@ -467,7 +470,7 @@
           <a:p>
             <a:fld id="{EA402788-B3D0-4CAD-96CC-4B452FA47DBC}" type="datetimeFigureOut">
               <a:rPr lang="en-IN" smtClean="0"/>
-              <a:t>08-02-2023</a:t>
+              <a:t>09-02-2023</a:t>
             </a:fld>
             <a:endParaRPr lang="en-IN"/>
           </a:p>
@@ -677,7 +680,7 @@
           <a:p>
             <a:fld id="{EA402788-B3D0-4CAD-96CC-4B452FA47DBC}" type="datetimeFigureOut">
               <a:rPr lang="en-IN" smtClean="0"/>
-              <a:t>08-02-2023</a:t>
+              <a:t>09-02-2023</a:t>
             </a:fld>
             <a:endParaRPr lang="en-IN"/>
           </a:p>
@@ -877,7 +880,7 @@
           <a:p>
             <a:fld id="{EA402788-B3D0-4CAD-96CC-4B452FA47DBC}" type="datetimeFigureOut">
               <a:rPr lang="en-IN" smtClean="0"/>
-              <a:t>08-02-2023</a:t>
+              <a:t>09-02-2023</a:t>
             </a:fld>
             <a:endParaRPr lang="en-IN"/>
           </a:p>
@@ -1153,7 +1156,7 @@
           <a:p>
             <a:fld id="{EA402788-B3D0-4CAD-96CC-4B452FA47DBC}" type="datetimeFigureOut">
               <a:rPr lang="en-IN" smtClean="0"/>
-              <a:t>08-02-2023</a:t>
+              <a:t>09-02-2023</a:t>
             </a:fld>
             <a:endParaRPr lang="en-IN"/>
           </a:p>
@@ -1421,7 +1424,7 @@
           <a:p>
             <a:fld id="{EA402788-B3D0-4CAD-96CC-4B452FA47DBC}" type="datetimeFigureOut">
               <a:rPr lang="en-IN" smtClean="0"/>
-              <a:t>08-02-2023</a:t>
+              <a:t>09-02-2023</a:t>
             </a:fld>
             <a:endParaRPr lang="en-IN"/>
           </a:p>
@@ -1836,7 +1839,7 @@
           <a:p>
             <a:fld id="{EA402788-B3D0-4CAD-96CC-4B452FA47DBC}" type="datetimeFigureOut">
               <a:rPr lang="en-IN" smtClean="0"/>
-              <a:t>08-02-2023</a:t>
+              <a:t>09-02-2023</a:t>
             </a:fld>
             <a:endParaRPr lang="en-IN"/>
           </a:p>
@@ -1978,7 +1981,7 @@
           <a:p>
             <a:fld id="{EA402788-B3D0-4CAD-96CC-4B452FA47DBC}" type="datetimeFigureOut">
               <a:rPr lang="en-IN" smtClean="0"/>
-              <a:t>08-02-2023</a:t>
+              <a:t>09-02-2023</a:t>
             </a:fld>
             <a:endParaRPr lang="en-IN"/>
           </a:p>
@@ -2091,7 +2094,7 @@
           <a:p>
             <a:fld id="{EA402788-B3D0-4CAD-96CC-4B452FA47DBC}" type="datetimeFigureOut">
               <a:rPr lang="en-IN" smtClean="0"/>
-              <a:t>08-02-2023</a:t>
+              <a:t>09-02-2023</a:t>
             </a:fld>
             <a:endParaRPr lang="en-IN"/>
           </a:p>
@@ -2404,7 +2407,7 @@
           <a:p>
             <a:fld id="{EA402788-B3D0-4CAD-96CC-4B452FA47DBC}" type="datetimeFigureOut">
               <a:rPr lang="en-IN" smtClean="0"/>
-              <a:t>08-02-2023</a:t>
+              <a:t>09-02-2023</a:t>
             </a:fld>
             <a:endParaRPr lang="en-IN"/>
           </a:p>
@@ -2693,7 +2696,7 @@
           <a:p>
             <a:fld id="{EA402788-B3D0-4CAD-96CC-4B452FA47DBC}" type="datetimeFigureOut">
               <a:rPr lang="en-IN" smtClean="0"/>
-              <a:t>08-02-2023</a:t>
+              <a:t>09-02-2023</a:t>
             </a:fld>
             <a:endParaRPr lang="en-IN"/>
           </a:p>
@@ -2936,7 +2939,7 @@
           <a:p>
             <a:fld id="{EA402788-B3D0-4CAD-96CC-4B452FA47DBC}" type="datetimeFigureOut">
               <a:rPr lang="en-IN" smtClean="0"/>
-              <a:t>08-02-2023</a:t>
+              <a:t>09-02-2023</a:t>
             </a:fld>
             <a:endParaRPr lang="en-IN"/>
           </a:p>
@@ -4174,6 +4177,1140 @@
 </p:sld>
 </file>
 
+<file path=ppt/slides/slide10.xml><?xml version="1.0" encoding="utf-8"?>
+<p:sld xmlns:a="http://schemas.openxmlformats.org/drawingml/2006/main" xmlns:r="http://schemas.openxmlformats.org/officeDocument/2006/relationships" xmlns:p="http://schemas.openxmlformats.org/presentationml/2006/main">
+  <p:cSld>
+    <p:spTree>
+      <p:nvGrpSpPr>
+        <p:cNvPr id="1" name=""/>
+        <p:cNvGrpSpPr/>
+        <p:nvPr/>
+      </p:nvGrpSpPr>
+      <p:grpSpPr>
+        <a:xfrm>
+          <a:off x="0" y="0"/>
+          <a:ext cx="0" cy="0"/>
+          <a:chOff x="0" y="0"/>
+          <a:chExt cx="0" cy="0"/>
+        </a:xfrm>
+      </p:grpSpPr>
+      <p:cxnSp>
+        <p:nvCxnSpPr>
+          <p:cNvPr id="4" name="Straight Connector 3">
+            <a:extLst>
+              <a:ext uri="{FF2B5EF4-FFF2-40B4-BE49-F238E27FC236}">
+                <a16:creationId xmlns:a16="http://schemas.microsoft.com/office/drawing/2014/main" id="{3A814606-4AA0-4A13-8547-171EE46C3EC6}"/>
+              </a:ext>
+            </a:extLst>
+          </p:cNvPr>
+          <p:cNvCxnSpPr/>
+          <p:nvPr/>
+        </p:nvCxnSpPr>
+        <p:spPr>
+          <a:xfrm flipV="1">
+            <a:off x="4622800" y="2590800"/>
+            <a:ext cx="2225040" cy="2072640"/>
+          </a:xfrm>
+          <a:prstGeom prst="line">
+            <a:avLst/>
+          </a:prstGeom>
+          <a:ln w="57150"/>
+        </p:spPr>
+        <p:style>
+          <a:lnRef idx="1">
+            <a:schemeClr val="dk1"/>
+          </a:lnRef>
+          <a:fillRef idx="0">
+            <a:schemeClr val="dk1"/>
+          </a:fillRef>
+          <a:effectRef idx="0">
+            <a:schemeClr val="dk1"/>
+          </a:effectRef>
+          <a:fontRef idx="minor">
+            <a:schemeClr val="tx1"/>
+          </a:fontRef>
+        </p:style>
+      </p:cxnSp>
+      <p:cxnSp>
+        <p:nvCxnSpPr>
+          <p:cNvPr id="18" name="Straight Connector 17">
+            <a:extLst>
+              <a:ext uri="{FF2B5EF4-FFF2-40B4-BE49-F238E27FC236}">
+                <a16:creationId xmlns:a16="http://schemas.microsoft.com/office/drawing/2014/main" id="{A9942027-AD74-404C-83B7-4F47AF571079}"/>
+              </a:ext>
+            </a:extLst>
+          </p:cNvPr>
+          <p:cNvCxnSpPr>
+            <a:cxnSpLocks/>
+          </p:cNvCxnSpPr>
+          <p:nvPr/>
+        </p:nvCxnSpPr>
+        <p:spPr>
+          <a:xfrm>
+            <a:off x="4622800" y="4663440"/>
+            <a:ext cx="3027680" cy="0"/>
+          </a:xfrm>
+          <a:prstGeom prst="line">
+            <a:avLst/>
+          </a:prstGeom>
+          <a:ln w="57150"/>
+        </p:spPr>
+        <p:style>
+          <a:lnRef idx="1">
+            <a:schemeClr val="dk1"/>
+          </a:lnRef>
+          <a:fillRef idx="0">
+            <a:schemeClr val="dk1"/>
+          </a:fillRef>
+          <a:effectRef idx="0">
+            <a:schemeClr val="dk1"/>
+          </a:effectRef>
+          <a:fontRef idx="minor">
+            <a:schemeClr val="tx1"/>
+          </a:fontRef>
+        </p:style>
+      </p:cxnSp>
+      <p:sp>
+        <p:nvSpPr>
+          <p:cNvPr id="9" name="Rectangle 8">
+            <a:extLst>
+              <a:ext uri="{FF2B5EF4-FFF2-40B4-BE49-F238E27FC236}">
+                <a16:creationId xmlns:a16="http://schemas.microsoft.com/office/drawing/2014/main" id="{29C0C84B-14E2-40F5-8439-016BAB24C87C}"/>
+              </a:ext>
+            </a:extLst>
+          </p:cNvPr>
+          <p:cNvSpPr/>
+          <p:nvPr/>
+        </p:nvSpPr>
+        <p:spPr>
+          <a:xfrm rot="19025440">
+            <a:off x="4957408" y="3072310"/>
+            <a:ext cx="1320800" cy="507992"/>
+          </a:xfrm>
+          <a:prstGeom prst="rect">
+            <a:avLst/>
+          </a:prstGeom>
+          <a:ln w="38100">
+            <a:solidFill>
+              <a:schemeClr val="tx1"/>
+            </a:solidFill>
+          </a:ln>
+        </p:spPr>
+        <p:style>
+          <a:lnRef idx="2">
+            <a:schemeClr val="accent1">
+              <a:shade val="50000"/>
+            </a:schemeClr>
+          </a:lnRef>
+          <a:fillRef idx="1">
+            <a:schemeClr val="accent1"/>
+          </a:fillRef>
+          <a:effectRef idx="0">
+            <a:schemeClr val="accent1"/>
+          </a:effectRef>
+          <a:fontRef idx="minor">
+            <a:schemeClr val="lt1"/>
+          </a:fontRef>
+        </p:style>
+        <p:txBody>
+          <a:bodyPr rtlCol="0" anchor="ctr"/>
+          <a:lstStyle/>
+          <a:p>
+            <a:pPr algn="ctr"/>
+            <a:endParaRPr lang="en-IN"/>
+          </a:p>
+        </p:txBody>
+      </p:sp>
+      <p:sp>
+        <p:nvSpPr>
+          <p:cNvPr id="10" name="Arc 9">
+            <a:extLst>
+              <a:ext uri="{FF2B5EF4-FFF2-40B4-BE49-F238E27FC236}">
+                <a16:creationId xmlns:a16="http://schemas.microsoft.com/office/drawing/2014/main" id="{93650A83-A6F9-4309-96BD-9FB7EA343F1C}"/>
+              </a:ext>
+            </a:extLst>
+          </p:cNvPr>
+          <p:cNvSpPr/>
+          <p:nvPr/>
+        </p:nvSpPr>
+        <p:spPr>
+          <a:xfrm>
+            <a:off x="4733365" y="4253305"/>
+            <a:ext cx="681318" cy="838200"/>
+          </a:xfrm>
+          <a:prstGeom prst="arc">
+            <a:avLst/>
+          </a:prstGeom>
+          <a:ln w="57150"/>
+        </p:spPr>
+        <p:style>
+          <a:lnRef idx="1">
+            <a:schemeClr val="dk1"/>
+          </a:lnRef>
+          <a:fillRef idx="0">
+            <a:schemeClr val="dk1"/>
+          </a:fillRef>
+          <a:effectRef idx="0">
+            <a:schemeClr val="dk1"/>
+          </a:effectRef>
+          <a:fontRef idx="minor">
+            <a:schemeClr val="tx1"/>
+          </a:fontRef>
+        </p:style>
+        <p:txBody>
+          <a:bodyPr rtlCol="0" anchor="ctr"/>
+          <a:lstStyle/>
+          <a:p>
+            <a:pPr algn="ctr"/>
+            <a:endParaRPr lang="en-IN"/>
+          </a:p>
+        </p:txBody>
+      </p:sp>
+      <mc:AlternateContent xmlns:mc="http://schemas.openxmlformats.org/markup-compatibility/2006">
+        <mc:Choice xmlns:a14="http://schemas.microsoft.com/office/drawing/2010/main" Requires="a14">
+          <p:sp>
+            <p:nvSpPr>
+              <p:cNvPr id="11" name="TextBox 10">
+                <a:extLst>
+                  <a:ext uri="{FF2B5EF4-FFF2-40B4-BE49-F238E27FC236}">
+                    <a16:creationId xmlns:a16="http://schemas.microsoft.com/office/drawing/2014/main" id="{65F4D512-2A31-4FF1-811E-471AADB3DA55}"/>
+                  </a:ext>
+                </a:extLst>
+              </p:cNvPr>
+              <p:cNvSpPr txBox="1"/>
+              <p:nvPr/>
+            </p:nvSpPr>
+            <p:spPr>
+              <a:xfrm>
+                <a:off x="5340902" y="4025328"/>
+                <a:ext cx="368691" cy="492443"/>
+              </a:xfrm>
+              <a:prstGeom prst="rect">
+                <a:avLst/>
+              </a:prstGeom>
+              <a:noFill/>
+            </p:spPr>
+            <p:txBody>
+              <a:bodyPr wrap="none" lIns="0" tIns="0" rIns="0" bIns="0" rtlCol="0">
+                <a:spAutoFit/>
+              </a:bodyPr>
+              <a:lstStyle/>
+              <a:p>
+                <a14:m>
+                  <m:oMathPara xmlns:m="http://schemas.openxmlformats.org/officeDocument/2006/math">
+                    <m:oMathParaPr>
+                      <m:jc m:val="centerGroup"/>
+                    </m:oMathParaPr>
+                    <m:oMath xmlns:m="http://schemas.openxmlformats.org/officeDocument/2006/math">
+                      <m:r>
+                        <a:rPr lang="en-IN" sz="3200" b="1" i="1" smtClean="0">
+                          <a:latin typeface="Cambria Math" panose="02040503050406030204" pitchFamily="18" charset="0"/>
+                          <a:ea typeface="Cambria Math" panose="02040503050406030204" pitchFamily="18" charset="0"/>
+                        </a:rPr>
+                        <m:t>𝜶</m:t>
+                      </m:r>
+                    </m:oMath>
+                  </m:oMathPara>
+                </a14:m>
+                <a:endParaRPr lang="en-IN" sz="3200" b="1"/>
+              </a:p>
+            </p:txBody>
+          </p:sp>
+        </mc:Choice>
+        <mc:Fallback>
+          <p:sp>
+            <p:nvSpPr>
+              <p:cNvPr id="11" name="TextBox 10">
+                <a:extLst>
+                  <a:ext uri="{FF2B5EF4-FFF2-40B4-BE49-F238E27FC236}">
+                    <a16:creationId xmlns:a16="http://schemas.microsoft.com/office/drawing/2014/main" id="{65F4D512-2A31-4FF1-811E-471AADB3DA55}"/>
+                  </a:ext>
+                </a:extLst>
+              </p:cNvPr>
+              <p:cNvSpPr txBox="1">
+                <a:spLocks noRot="1" noChangeAspect="1" noMove="1" noResize="1" noEditPoints="1" noAdjustHandles="1" noChangeArrowheads="1" noChangeShapeType="1" noTextEdit="1"/>
+              </p:cNvSpPr>
+              <p:nvPr/>
+            </p:nvSpPr>
+            <p:spPr>
+              <a:xfrm>
+                <a:off x="5340902" y="4025328"/>
+                <a:ext cx="368691" cy="492443"/>
+              </a:xfrm>
+              <a:prstGeom prst="rect">
+                <a:avLst/>
+              </a:prstGeom>
+              <a:blipFill>
+                <a:blip r:embed="rId2"/>
+                <a:stretch>
+                  <a:fillRect/>
+                </a:stretch>
+              </a:blipFill>
+            </p:spPr>
+            <p:txBody>
+              <a:bodyPr/>
+              <a:lstStyle/>
+              <a:p>
+                <a:r>
+                  <a:rPr lang="en-IN">
+                    <a:noFill/>
+                  </a:rPr>
+                  <a:t> </a:t>
+                </a:r>
+              </a:p>
+            </p:txBody>
+          </p:sp>
+        </mc:Fallback>
+      </mc:AlternateContent>
+      <p:cxnSp>
+        <p:nvCxnSpPr>
+          <p:cNvPr id="22" name="Straight Arrow Connector 21">
+            <a:extLst>
+              <a:ext uri="{FF2B5EF4-FFF2-40B4-BE49-F238E27FC236}">
+                <a16:creationId xmlns:a16="http://schemas.microsoft.com/office/drawing/2014/main" id="{6FE58642-4711-4ADE-A254-FA324CD09628}"/>
+              </a:ext>
+            </a:extLst>
+          </p:cNvPr>
+          <p:cNvCxnSpPr>
+            <a:cxnSpLocks/>
+            <a:endCxn id="9" idx="2"/>
+          </p:cNvCxnSpPr>
+          <p:nvPr/>
+        </p:nvCxnSpPr>
+        <p:spPr>
+          <a:xfrm flipH="1" flipV="1">
+            <a:off x="5790739" y="3512341"/>
+            <a:ext cx="524271" cy="595296"/>
+          </a:xfrm>
+          <a:prstGeom prst="straightConnector1">
+            <a:avLst/>
+          </a:prstGeom>
+          <a:ln w="57150">
+            <a:tailEnd type="triangle"/>
+          </a:ln>
+        </p:spPr>
+        <p:style>
+          <a:lnRef idx="1">
+            <a:schemeClr val="accent2"/>
+          </a:lnRef>
+          <a:fillRef idx="0">
+            <a:schemeClr val="accent2"/>
+          </a:fillRef>
+          <a:effectRef idx="0">
+            <a:schemeClr val="accent2"/>
+          </a:effectRef>
+          <a:fontRef idx="minor">
+            <a:schemeClr val="tx1"/>
+          </a:fontRef>
+        </p:style>
+      </p:cxnSp>
+      <p:cxnSp>
+        <p:nvCxnSpPr>
+          <p:cNvPr id="25" name="Straight Arrow Connector 24">
+            <a:extLst>
+              <a:ext uri="{FF2B5EF4-FFF2-40B4-BE49-F238E27FC236}">
+                <a16:creationId xmlns:a16="http://schemas.microsoft.com/office/drawing/2014/main" id="{32BC64A9-09DC-4E74-A9BD-66339C42DB85}"/>
+              </a:ext>
+            </a:extLst>
+          </p:cNvPr>
+          <p:cNvCxnSpPr/>
+          <p:nvPr/>
+        </p:nvCxnSpPr>
+        <p:spPr>
+          <a:xfrm flipV="1">
+            <a:off x="4122734" y="4053217"/>
+            <a:ext cx="914400" cy="838200"/>
+          </a:xfrm>
+          <a:prstGeom prst="straightConnector1">
+            <a:avLst/>
+          </a:prstGeom>
+          <a:ln w="57150">
+            <a:tailEnd type="triangle"/>
+          </a:ln>
+        </p:spPr>
+        <p:style>
+          <a:lnRef idx="1">
+            <a:schemeClr val="accent2"/>
+          </a:lnRef>
+          <a:fillRef idx="0">
+            <a:schemeClr val="accent2"/>
+          </a:fillRef>
+          <a:effectRef idx="0">
+            <a:schemeClr val="accent2"/>
+          </a:effectRef>
+          <a:fontRef idx="minor">
+            <a:schemeClr val="tx1"/>
+          </a:fontRef>
+        </p:style>
+      </p:cxnSp>
+      <p:cxnSp>
+        <p:nvCxnSpPr>
+          <p:cNvPr id="27" name="Straight Arrow Connector 26">
+            <a:extLst>
+              <a:ext uri="{FF2B5EF4-FFF2-40B4-BE49-F238E27FC236}">
+                <a16:creationId xmlns:a16="http://schemas.microsoft.com/office/drawing/2014/main" id="{6E1D3411-223E-4376-9DBE-7D7C1E046A35}"/>
+              </a:ext>
+            </a:extLst>
+          </p:cNvPr>
+          <p:cNvCxnSpPr>
+            <a:cxnSpLocks/>
+            <a:endCxn id="9" idx="0"/>
+          </p:cNvCxnSpPr>
+          <p:nvPr/>
+        </p:nvCxnSpPr>
+        <p:spPr>
+          <a:xfrm>
+            <a:off x="5444877" y="1989172"/>
+            <a:ext cx="0" cy="1151099"/>
+          </a:xfrm>
+          <a:prstGeom prst="straightConnector1">
+            <a:avLst/>
+          </a:prstGeom>
+          <a:ln w="57150">
+            <a:tailEnd type="triangle"/>
+          </a:ln>
+        </p:spPr>
+        <p:style>
+          <a:lnRef idx="1">
+            <a:schemeClr val="accent2"/>
+          </a:lnRef>
+          <a:fillRef idx="0">
+            <a:schemeClr val="accent2"/>
+          </a:fillRef>
+          <a:effectRef idx="0">
+            <a:schemeClr val="accent2"/>
+          </a:effectRef>
+          <a:fontRef idx="minor">
+            <a:schemeClr val="tx1"/>
+          </a:fontRef>
+        </p:style>
+      </p:cxnSp>
+      <p:cxnSp>
+        <p:nvCxnSpPr>
+          <p:cNvPr id="31" name="Straight Connector 30">
+            <a:extLst>
+              <a:ext uri="{FF2B5EF4-FFF2-40B4-BE49-F238E27FC236}">
+                <a16:creationId xmlns:a16="http://schemas.microsoft.com/office/drawing/2014/main" id="{92B55681-70DF-4A8A-9C00-D098ABA3AB2E}"/>
+              </a:ext>
+            </a:extLst>
+          </p:cNvPr>
+          <p:cNvCxnSpPr>
+            <a:stCxn id="9" idx="2"/>
+          </p:cNvCxnSpPr>
+          <p:nvPr/>
+        </p:nvCxnSpPr>
+        <p:spPr>
+          <a:xfrm>
+            <a:off x="5790739" y="3512341"/>
+            <a:ext cx="0" cy="959976"/>
+          </a:xfrm>
+          <a:prstGeom prst="line">
+            <a:avLst/>
+          </a:prstGeom>
+          <a:ln w="57150">
+            <a:prstDash val="sysDot"/>
+          </a:ln>
+        </p:spPr>
+        <p:style>
+          <a:lnRef idx="1">
+            <a:schemeClr val="accent3"/>
+          </a:lnRef>
+          <a:fillRef idx="0">
+            <a:schemeClr val="accent3"/>
+          </a:fillRef>
+          <a:effectRef idx="0">
+            <a:schemeClr val="accent3"/>
+          </a:effectRef>
+          <a:fontRef idx="minor">
+            <a:schemeClr val="tx1"/>
+          </a:fontRef>
+        </p:style>
+      </p:cxnSp>
+      <p:sp>
+        <p:nvSpPr>
+          <p:cNvPr id="41" name="Arc 40">
+            <a:extLst>
+              <a:ext uri="{FF2B5EF4-FFF2-40B4-BE49-F238E27FC236}">
+                <a16:creationId xmlns:a16="http://schemas.microsoft.com/office/drawing/2014/main" id="{02F981AB-BD6B-41FB-B937-A612DE1C51D7}"/>
+              </a:ext>
+            </a:extLst>
+          </p:cNvPr>
+          <p:cNvSpPr/>
+          <p:nvPr/>
+        </p:nvSpPr>
+        <p:spPr>
+          <a:xfrm rot="6768391">
+            <a:off x="5338911" y="3276973"/>
+            <a:ext cx="681318" cy="838200"/>
+          </a:xfrm>
+          <a:prstGeom prst="arc">
+            <a:avLst>
+              <a:gd name="adj1" fmla="val 16200000"/>
+              <a:gd name="adj2" fmla="val 19294227"/>
+            </a:avLst>
+          </a:prstGeom>
+          <a:ln w="57150"/>
+        </p:spPr>
+        <p:style>
+          <a:lnRef idx="1">
+            <a:schemeClr val="dk1"/>
+          </a:lnRef>
+          <a:fillRef idx="0">
+            <a:schemeClr val="dk1"/>
+          </a:fillRef>
+          <a:effectRef idx="0">
+            <a:schemeClr val="dk1"/>
+          </a:effectRef>
+          <a:fontRef idx="minor">
+            <a:schemeClr val="tx1"/>
+          </a:fontRef>
+        </p:style>
+        <p:txBody>
+          <a:bodyPr rtlCol="0" anchor="ctr"/>
+          <a:lstStyle/>
+          <a:p>
+            <a:pPr algn="ctr"/>
+            <a:endParaRPr lang="en-IN"/>
+          </a:p>
+        </p:txBody>
+      </p:sp>
+      <mc:AlternateContent xmlns:mc="http://schemas.openxmlformats.org/markup-compatibility/2006">
+        <mc:Choice xmlns:a14="http://schemas.microsoft.com/office/drawing/2010/main" Requires="a14">
+          <p:sp>
+            <p:nvSpPr>
+              <p:cNvPr id="42" name="TextBox 41">
+                <a:extLst>
+                  <a:ext uri="{FF2B5EF4-FFF2-40B4-BE49-F238E27FC236}">
+                    <a16:creationId xmlns:a16="http://schemas.microsoft.com/office/drawing/2014/main" id="{D882CE08-FA87-4787-B225-ACE4E4AC07C2}"/>
+                  </a:ext>
+                </a:extLst>
+              </p:cNvPr>
+              <p:cNvSpPr txBox="1"/>
+              <p:nvPr/>
+            </p:nvSpPr>
+            <p:spPr>
+              <a:xfrm>
+                <a:off x="5840968" y="3876644"/>
+                <a:ext cx="368691" cy="492443"/>
+              </a:xfrm>
+              <a:prstGeom prst="rect">
+                <a:avLst/>
+              </a:prstGeom>
+              <a:noFill/>
+            </p:spPr>
+            <p:txBody>
+              <a:bodyPr wrap="none" lIns="0" tIns="0" rIns="0" bIns="0" rtlCol="0">
+                <a:spAutoFit/>
+              </a:bodyPr>
+              <a:lstStyle/>
+              <a:p>
+                <a14:m>
+                  <m:oMathPara xmlns:m="http://schemas.openxmlformats.org/officeDocument/2006/math">
+                    <m:oMathParaPr>
+                      <m:jc m:val="centerGroup"/>
+                    </m:oMathParaPr>
+                    <m:oMath xmlns:m="http://schemas.openxmlformats.org/officeDocument/2006/math">
+                      <m:r>
+                        <a:rPr lang="en-IN" sz="3200" b="1" i="1" smtClean="0">
+                          <a:latin typeface="Cambria Math" panose="02040503050406030204" pitchFamily="18" charset="0"/>
+                          <a:ea typeface="Cambria Math" panose="02040503050406030204" pitchFamily="18" charset="0"/>
+                        </a:rPr>
+                        <m:t>𝜶</m:t>
+                      </m:r>
+                    </m:oMath>
+                  </m:oMathPara>
+                </a14:m>
+                <a:endParaRPr lang="en-IN" sz="3200" b="1"/>
+              </a:p>
+            </p:txBody>
+          </p:sp>
+        </mc:Choice>
+        <mc:Fallback>
+          <p:sp>
+            <p:nvSpPr>
+              <p:cNvPr id="42" name="TextBox 41">
+                <a:extLst>
+                  <a:ext uri="{FF2B5EF4-FFF2-40B4-BE49-F238E27FC236}">
+                    <a16:creationId xmlns:a16="http://schemas.microsoft.com/office/drawing/2014/main" id="{D882CE08-FA87-4787-B225-ACE4E4AC07C2}"/>
+                  </a:ext>
+                </a:extLst>
+              </p:cNvPr>
+              <p:cNvSpPr txBox="1">
+                <a:spLocks noRot="1" noChangeAspect="1" noMove="1" noResize="1" noEditPoints="1" noAdjustHandles="1" noChangeArrowheads="1" noChangeShapeType="1" noTextEdit="1"/>
+              </p:cNvSpPr>
+              <p:nvPr/>
+            </p:nvSpPr>
+            <p:spPr>
+              <a:xfrm>
+                <a:off x="5840968" y="3876644"/>
+                <a:ext cx="368691" cy="492443"/>
+              </a:xfrm>
+              <a:prstGeom prst="rect">
+                <a:avLst/>
+              </a:prstGeom>
+              <a:blipFill>
+                <a:blip r:embed="rId3"/>
+                <a:stretch>
+                  <a:fillRect/>
+                </a:stretch>
+              </a:blipFill>
+            </p:spPr>
+            <p:txBody>
+              <a:bodyPr/>
+              <a:lstStyle/>
+              <a:p>
+                <a:r>
+                  <a:rPr lang="en-IN">
+                    <a:noFill/>
+                  </a:rPr>
+                  <a:t> </a:t>
+                </a:r>
+              </a:p>
+            </p:txBody>
+          </p:sp>
+        </mc:Fallback>
+      </mc:AlternateContent>
+      <p:sp>
+        <p:nvSpPr>
+          <p:cNvPr id="43" name="TextBox 42">
+            <a:extLst>
+              <a:ext uri="{FF2B5EF4-FFF2-40B4-BE49-F238E27FC236}">
+                <a16:creationId xmlns:a16="http://schemas.microsoft.com/office/drawing/2014/main" id="{426A7648-74B7-4F5A-AEAA-F5310440A900}"/>
+              </a:ext>
+            </a:extLst>
+          </p:cNvPr>
+          <p:cNvSpPr txBox="1"/>
+          <p:nvPr/>
+        </p:nvSpPr>
+        <p:spPr>
+          <a:xfrm>
+            <a:off x="6290806" y="3875754"/>
+            <a:ext cx="367378" cy="523220"/>
+          </a:xfrm>
+          <a:prstGeom prst="rect">
+            <a:avLst/>
+          </a:prstGeom>
+          <a:noFill/>
+        </p:spPr>
+        <p:txBody>
+          <a:bodyPr wrap="square" rtlCol="0">
+            <a:spAutoFit/>
+          </a:bodyPr>
+          <a:lstStyle/>
+          <a:p>
+            <a:r>
+              <a:rPr lang="en-US" sz="2800" b="1"/>
+              <a:t>N</a:t>
+            </a:r>
+            <a:endParaRPr lang="en-IN" sz="2800" b="1"/>
+          </a:p>
+        </p:txBody>
+      </p:sp>
+      <p:sp>
+        <p:nvSpPr>
+          <p:cNvPr id="44" name="TextBox 43">
+            <a:extLst>
+              <a:ext uri="{FF2B5EF4-FFF2-40B4-BE49-F238E27FC236}">
+                <a16:creationId xmlns:a16="http://schemas.microsoft.com/office/drawing/2014/main" id="{24743447-8A1E-46F0-B66A-6DF9E5A2049D}"/>
+              </a:ext>
+            </a:extLst>
+          </p:cNvPr>
+          <p:cNvSpPr txBox="1"/>
+          <p:nvPr/>
+        </p:nvSpPr>
+        <p:spPr>
+          <a:xfrm>
+            <a:off x="5195134" y="1546033"/>
+            <a:ext cx="367378" cy="523220"/>
+          </a:xfrm>
+          <a:prstGeom prst="rect">
+            <a:avLst/>
+          </a:prstGeom>
+          <a:noFill/>
+        </p:spPr>
+        <p:txBody>
+          <a:bodyPr wrap="square" rtlCol="0">
+            <a:spAutoFit/>
+          </a:bodyPr>
+          <a:lstStyle/>
+          <a:p>
+            <a:r>
+              <a:rPr lang="en-US" sz="2800" b="1"/>
+              <a:t>W</a:t>
+            </a:r>
+            <a:endParaRPr lang="en-IN" sz="2800" b="1"/>
+          </a:p>
+        </p:txBody>
+      </p:sp>
+      <p:sp>
+        <p:nvSpPr>
+          <p:cNvPr id="45" name="TextBox 44">
+            <a:extLst>
+              <a:ext uri="{FF2B5EF4-FFF2-40B4-BE49-F238E27FC236}">
+                <a16:creationId xmlns:a16="http://schemas.microsoft.com/office/drawing/2014/main" id="{565642EE-9E3E-445E-8550-E27764E53FF7}"/>
+              </a:ext>
+            </a:extLst>
+          </p:cNvPr>
+          <p:cNvSpPr txBox="1"/>
+          <p:nvPr/>
+        </p:nvSpPr>
+        <p:spPr>
+          <a:xfrm rot="19114609">
+            <a:off x="3910284" y="4009939"/>
+            <a:ext cx="965175" cy="523220"/>
+          </a:xfrm>
+          <a:prstGeom prst="rect">
+            <a:avLst/>
+          </a:prstGeom>
+          <a:noFill/>
+        </p:spPr>
+        <p:txBody>
+          <a:bodyPr wrap="square" rtlCol="0">
+            <a:spAutoFit/>
+          </a:bodyPr>
+          <a:lstStyle/>
+          <a:p>
+            <a:r>
+              <a:rPr lang="en-US" sz="2800" b="1"/>
+              <a:t>F(SF)</a:t>
+            </a:r>
+            <a:endParaRPr lang="en-IN" sz="2800" b="1"/>
+          </a:p>
+        </p:txBody>
+      </p:sp>
+      <p:cxnSp>
+        <p:nvCxnSpPr>
+          <p:cNvPr id="33" name="Straight Arrow Connector 32">
+            <a:extLst>
+              <a:ext uri="{FF2B5EF4-FFF2-40B4-BE49-F238E27FC236}">
+                <a16:creationId xmlns:a16="http://schemas.microsoft.com/office/drawing/2014/main" id="{D91452F6-3BC5-4C69-8D77-E72F05696CF8}"/>
+              </a:ext>
+            </a:extLst>
+          </p:cNvPr>
+          <p:cNvCxnSpPr>
+            <a:cxnSpLocks/>
+            <a:endCxn id="9" idx="0"/>
+          </p:cNvCxnSpPr>
+          <p:nvPr/>
+        </p:nvCxnSpPr>
+        <p:spPr>
+          <a:xfrm>
+            <a:off x="4670189" y="2214922"/>
+            <a:ext cx="774688" cy="925349"/>
+          </a:xfrm>
+          <a:prstGeom prst="straightConnector1">
+            <a:avLst/>
+          </a:prstGeom>
+          <a:ln w="76200">
+            <a:prstDash val="sysDot"/>
+            <a:tailEnd type="triangle"/>
+          </a:ln>
+        </p:spPr>
+        <p:style>
+          <a:lnRef idx="1">
+            <a:schemeClr val="accent6"/>
+          </a:lnRef>
+          <a:fillRef idx="0">
+            <a:schemeClr val="accent6"/>
+          </a:fillRef>
+          <a:effectRef idx="0">
+            <a:schemeClr val="accent6"/>
+          </a:effectRef>
+          <a:fontRef idx="minor">
+            <a:schemeClr val="tx1"/>
+          </a:fontRef>
+        </p:style>
+      </p:cxnSp>
+      <p:cxnSp>
+        <p:nvCxnSpPr>
+          <p:cNvPr id="38" name="Straight Arrow Connector 37">
+            <a:extLst>
+              <a:ext uri="{FF2B5EF4-FFF2-40B4-BE49-F238E27FC236}">
+                <a16:creationId xmlns:a16="http://schemas.microsoft.com/office/drawing/2014/main" id="{C4454616-2CE8-483C-B48A-F08B3B2926E8}"/>
+              </a:ext>
+            </a:extLst>
+          </p:cNvPr>
+          <p:cNvCxnSpPr>
+            <a:cxnSpLocks/>
+            <a:endCxn id="9" idx="0"/>
+          </p:cNvCxnSpPr>
+          <p:nvPr/>
+        </p:nvCxnSpPr>
+        <p:spPr>
+          <a:xfrm flipH="1">
+            <a:off x="5444877" y="2214922"/>
+            <a:ext cx="1016232" cy="925349"/>
+          </a:xfrm>
+          <a:prstGeom prst="straightConnector1">
+            <a:avLst/>
+          </a:prstGeom>
+          <a:ln w="76200">
+            <a:prstDash val="sysDot"/>
+            <a:tailEnd type="triangle"/>
+          </a:ln>
+        </p:spPr>
+        <p:style>
+          <a:lnRef idx="1">
+            <a:schemeClr val="accent6"/>
+          </a:lnRef>
+          <a:fillRef idx="0">
+            <a:schemeClr val="accent6"/>
+          </a:fillRef>
+          <a:effectRef idx="0">
+            <a:schemeClr val="accent6"/>
+          </a:effectRef>
+          <a:fontRef idx="minor">
+            <a:schemeClr val="tx1"/>
+          </a:fontRef>
+        </p:style>
+      </p:cxnSp>
+      <p:sp>
+        <p:nvSpPr>
+          <p:cNvPr id="54" name="Arc 53">
+            <a:extLst>
+              <a:ext uri="{FF2B5EF4-FFF2-40B4-BE49-F238E27FC236}">
+                <a16:creationId xmlns:a16="http://schemas.microsoft.com/office/drawing/2014/main" id="{9C442732-9E03-42E7-9457-332CC1F77188}"/>
+              </a:ext>
+            </a:extLst>
+          </p:cNvPr>
+          <p:cNvSpPr/>
+          <p:nvPr/>
+        </p:nvSpPr>
+        <p:spPr>
+          <a:xfrm rot="18092286">
+            <a:off x="5125488" y="2471342"/>
+            <a:ext cx="681318" cy="838200"/>
+          </a:xfrm>
+          <a:prstGeom prst="arc">
+            <a:avLst>
+              <a:gd name="adj1" fmla="val 16200000"/>
+              <a:gd name="adj2" fmla="val 19294227"/>
+            </a:avLst>
+          </a:prstGeom>
+          <a:ln w="57150"/>
+        </p:spPr>
+        <p:style>
+          <a:lnRef idx="1">
+            <a:schemeClr val="dk1"/>
+          </a:lnRef>
+          <a:fillRef idx="0">
+            <a:schemeClr val="dk1"/>
+          </a:fillRef>
+          <a:effectRef idx="0">
+            <a:schemeClr val="dk1"/>
+          </a:effectRef>
+          <a:fontRef idx="minor">
+            <a:schemeClr val="tx1"/>
+          </a:fontRef>
+        </p:style>
+        <p:txBody>
+          <a:bodyPr rtlCol="0" anchor="ctr"/>
+          <a:lstStyle/>
+          <a:p>
+            <a:pPr algn="ctr"/>
+            <a:endParaRPr lang="en-IN"/>
+          </a:p>
+        </p:txBody>
+      </p:sp>
+      <mc:AlternateContent xmlns:mc="http://schemas.openxmlformats.org/markup-compatibility/2006">
+        <mc:Choice xmlns:a14="http://schemas.microsoft.com/office/drawing/2010/main" Requires="a14">
+          <p:sp>
+            <p:nvSpPr>
+              <p:cNvPr id="55" name="TextBox 54">
+                <a:extLst>
+                  <a:ext uri="{FF2B5EF4-FFF2-40B4-BE49-F238E27FC236}">
+                    <a16:creationId xmlns:a16="http://schemas.microsoft.com/office/drawing/2014/main" id="{492ED6E2-107E-42BA-A588-9DA371C236D4}"/>
+                  </a:ext>
+                </a:extLst>
+              </p:cNvPr>
+              <p:cNvSpPr txBox="1"/>
+              <p:nvPr/>
+            </p:nvSpPr>
+            <p:spPr>
+              <a:xfrm>
+                <a:off x="5028294" y="2089038"/>
+                <a:ext cx="368691" cy="492443"/>
+              </a:xfrm>
+              <a:prstGeom prst="rect">
+                <a:avLst/>
+              </a:prstGeom>
+              <a:noFill/>
+            </p:spPr>
+            <p:txBody>
+              <a:bodyPr wrap="none" lIns="0" tIns="0" rIns="0" bIns="0" rtlCol="0">
+                <a:spAutoFit/>
+              </a:bodyPr>
+              <a:lstStyle/>
+              <a:p>
+                <a14:m>
+                  <m:oMathPara xmlns:m="http://schemas.openxmlformats.org/officeDocument/2006/math">
+                    <m:oMathParaPr>
+                      <m:jc m:val="centerGroup"/>
+                    </m:oMathParaPr>
+                    <m:oMath xmlns:m="http://schemas.openxmlformats.org/officeDocument/2006/math">
+                      <m:r>
+                        <a:rPr lang="en-IN" sz="3200" b="1" i="1" smtClean="0">
+                          <a:latin typeface="Cambria Math" panose="02040503050406030204" pitchFamily="18" charset="0"/>
+                          <a:ea typeface="Cambria Math" panose="02040503050406030204" pitchFamily="18" charset="0"/>
+                        </a:rPr>
+                        <m:t>𝜶</m:t>
+                      </m:r>
+                    </m:oMath>
+                  </m:oMathPara>
+                </a14:m>
+                <a:endParaRPr lang="en-IN" sz="3200" b="1"/>
+              </a:p>
+            </p:txBody>
+          </p:sp>
+        </mc:Choice>
+        <mc:Fallback>
+          <p:sp>
+            <p:nvSpPr>
+              <p:cNvPr id="55" name="TextBox 54">
+                <a:extLst>
+                  <a:ext uri="{FF2B5EF4-FFF2-40B4-BE49-F238E27FC236}">
+                    <a16:creationId xmlns:a16="http://schemas.microsoft.com/office/drawing/2014/main" id="{492ED6E2-107E-42BA-A588-9DA371C236D4}"/>
+                  </a:ext>
+                </a:extLst>
+              </p:cNvPr>
+              <p:cNvSpPr txBox="1">
+                <a:spLocks noRot="1" noChangeAspect="1" noMove="1" noResize="1" noEditPoints="1" noAdjustHandles="1" noChangeArrowheads="1" noChangeShapeType="1" noTextEdit="1"/>
+              </p:cNvSpPr>
+              <p:nvPr/>
+            </p:nvSpPr>
+            <p:spPr>
+              <a:xfrm>
+                <a:off x="5028294" y="2089038"/>
+                <a:ext cx="368691" cy="492443"/>
+              </a:xfrm>
+              <a:prstGeom prst="rect">
+                <a:avLst/>
+              </a:prstGeom>
+              <a:blipFill>
+                <a:blip r:embed="rId4"/>
+                <a:stretch>
+                  <a:fillRect/>
+                </a:stretch>
+              </a:blipFill>
+            </p:spPr>
+            <p:txBody>
+              <a:bodyPr/>
+              <a:lstStyle/>
+              <a:p>
+                <a:r>
+                  <a:rPr lang="en-IN">
+                    <a:noFill/>
+                  </a:rPr>
+                  <a:t> </a:t>
+                </a:r>
+              </a:p>
+            </p:txBody>
+          </p:sp>
+        </mc:Fallback>
+      </mc:AlternateContent>
+      <mc:AlternateContent xmlns:mc="http://schemas.openxmlformats.org/markup-compatibility/2006">
+        <mc:Choice xmlns:a14="http://schemas.microsoft.com/office/drawing/2010/main" Requires="a14">
+          <p:sp>
+            <p:nvSpPr>
+              <p:cNvPr id="56" name="TextBox 55">
+                <a:extLst>
+                  <a:ext uri="{FF2B5EF4-FFF2-40B4-BE49-F238E27FC236}">
+                    <a16:creationId xmlns:a16="http://schemas.microsoft.com/office/drawing/2014/main" id="{0A428A8A-F336-4E0F-B636-DE2E93337DE5}"/>
+                  </a:ext>
+                </a:extLst>
+              </p:cNvPr>
+              <p:cNvSpPr txBox="1"/>
+              <p:nvPr/>
+            </p:nvSpPr>
+            <p:spPr>
+              <a:xfrm rot="19086360">
+                <a:off x="6281851" y="1576308"/>
+                <a:ext cx="1212314" cy="523220"/>
+              </a:xfrm>
+              <a:prstGeom prst="rect">
+                <a:avLst/>
+              </a:prstGeom>
+              <a:noFill/>
+            </p:spPr>
+            <p:txBody>
+              <a:bodyPr wrap="square" rtlCol="0">
+                <a:spAutoFit/>
+              </a:bodyPr>
+              <a:lstStyle/>
+              <a:p>
+                <a:r>
+                  <a:rPr lang="en-US" sz="2800" b="1"/>
+                  <a:t>WSin</a:t>
+                </a:r>
+                <a14:m>
+                  <m:oMath xmlns:m="http://schemas.openxmlformats.org/officeDocument/2006/math">
+                    <m:r>
+                      <a:rPr lang="en-US" sz="2800" b="1" i="1" smtClean="0">
+                        <a:latin typeface="Cambria Math" panose="02040503050406030204" pitchFamily="18" charset="0"/>
+                        <a:ea typeface="Cambria Math" panose="02040503050406030204" pitchFamily="18" charset="0"/>
+                      </a:rPr>
+                      <m:t>𝜶</m:t>
+                    </m:r>
+                  </m:oMath>
+                </a14:m>
+                <a:endParaRPr lang="en-IN" sz="2800" b="1"/>
+              </a:p>
+            </p:txBody>
+          </p:sp>
+        </mc:Choice>
+        <mc:Fallback>
+          <p:sp>
+            <p:nvSpPr>
+              <p:cNvPr id="56" name="TextBox 55">
+                <a:extLst>
+                  <a:ext uri="{FF2B5EF4-FFF2-40B4-BE49-F238E27FC236}">
+                    <a16:creationId xmlns:a16="http://schemas.microsoft.com/office/drawing/2014/main" id="{0A428A8A-F336-4E0F-B636-DE2E93337DE5}"/>
+                  </a:ext>
+                </a:extLst>
+              </p:cNvPr>
+              <p:cNvSpPr txBox="1">
+                <a:spLocks noRot="1" noChangeAspect="1" noMove="1" noResize="1" noEditPoints="1" noAdjustHandles="1" noChangeArrowheads="1" noChangeShapeType="1" noTextEdit="1"/>
+              </p:cNvSpPr>
+              <p:nvPr/>
+            </p:nvSpPr>
+            <p:spPr>
+              <a:xfrm rot="19086360">
+                <a:off x="6281851" y="1576308"/>
+                <a:ext cx="1212314" cy="523220"/>
+              </a:xfrm>
+              <a:prstGeom prst="rect">
+                <a:avLst/>
+              </a:prstGeom>
+              <a:blipFill>
+                <a:blip r:embed="rId5"/>
+                <a:stretch>
+                  <a:fillRect l="-10194" r="-485" b="-17259"/>
+                </a:stretch>
+              </a:blipFill>
+            </p:spPr>
+            <p:txBody>
+              <a:bodyPr/>
+              <a:lstStyle/>
+              <a:p>
+                <a:r>
+                  <a:rPr lang="en-IN">
+                    <a:noFill/>
+                  </a:rPr>
+                  <a:t> </a:t>
+                </a:r>
+              </a:p>
+            </p:txBody>
+          </p:sp>
+        </mc:Fallback>
+      </mc:AlternateContent>
+      <mc:AlternateContent xmlns:mc="http://schemas.openxmlformats.org/markup-compatibility/2006">
+        <mc:Choice xmlns:a14="http://schemas.microsoft.com/office/drawing/2010/main" Requires="a14">
+          <p:sp>
+            <p:nvSpPr>
+              <p:cNvPr id="57" name="TextBox 56">
+                <a:extLst>
+                  <a:ext uri="{FF2B5EF4-FFF2-40B4-BE49-F238E27FC236}">
+                    <a16:creationId xmlns:a16="http://schemas.microsoft.com/office/drawing/2014/main" id="{F8CB89ED-616D-4415-9B1B-0C27F8945694}"/>
+                  </a:ext>
+                </a:extLst>
+              </p:cNvPr>
+              <p:cNvSpPr txBox="1"/>
+              <p:nvPr/>
+            </p:nvSpPr>
+            <p:spPr>
+              <a:xfrm rot="19479110">
+                <a:off x="3862135" y="1804751"/>
+                <a:ext cx="1355535" cy="523220"/>
+              </a:xfrm>
+              <a:prstGeom prst="rect">
+                <a:avLst/>
+              </a:prstGeom>
+              <a:noFill/>
+            </p:spPr>
+            <p:txBody>
+              <a:bodyPr wrap="square" rtlCol="0">
+                <a:spAutoFit/>
+              </a:bodyPr>
+              <a:lstStyle/>
+              <a:p>
+                <a:r>
+                  <a:rPr lang="en-US" sz="2800" b="1"/>
+                  <a:t>WCos</a:t>
+                </a:r>
+                <a14:m>
+                  <m:oMath xmlns:m="http://schemas.openxmlformats.org/officeDocument/2006/math">
+                    <m:r>
+                      <a:rPr lang="en-US" sz="2800" b="1" i="1" smtClean="0">
+                        <a:latin typeface="Cambria Math" panose="02040503050406030204" pitchFamily="18" charset="0"/>
+                        <a:ea typeface="Cambria Math" panose="02040503050406030204" pitchFamily="18" charset="0"/>
+                      </a:rPr>
+                      <m:t>𝜶</m:t>
+                    </m:r>
+                  </m:oMath>
+                </a14:m>
+                <a:endParaRPr lang="en-IN" sz="2800" b="1"/>
+              </a:p>
+            </p:txBody>
+          </p:sp>
+        </mc:Choice>
+        <mc:Fallback>
+          <p:sp>
+            <p:nvSpPr>
+              <p:cNvPr id="57" name="TextBox 56">
+                <a:extLst>
+                  <a:ext uri="{FF2B5EF4-FFF2-40B4-BE49-F238E27FC236}">
+                    <a16:creationId xmlns:a16="http://schemas.microsoft.com/office/drawing/2014/main" id="{F8CB89ED-616D-4415-9B1B-0C27F8945694}"/>
+                  </a:ext>
+                </a:extLst>
+              </p:cNvPr>
+              <p:cNvSpPr txBox="1">
+                <a:spLocks noRot="1" noChangeAspect="1" noMove="1" noResize="1" noEditPoints="1" noAdjustHandles="1" noChangeArrowheads="1" noChangeShapeType="1" noTextEdit="1"/>
+              </p:cNvSpPr>
+              <p:nvPr/>
+            </p:nvSpPr>
+            <p:spPr>
+              <a:xfrm rot="19479110">
+                <a:off x="3862135" y="1804751"/>
+                <a:ext cx="1355535" cy="523220"/>
+              </a:xfrm>
+              <a:prstGeom prst="rect">
+                <a:avLst/>
+              </a:prstGeom>
+              <a:blipFill>
+                <a:blip r:embed="rId6"/>
+                <a:stretch>
+                  <a:fillRect l="-9483" b="-17000"/>
+                </a:stretch>
+              </a:blipFill>
+            </p:spPr>
+            <p:txBody>
+              <a:bodyPr/>
+              <a:lstStyle/>
+              <a:p>
+                <a:r>
+                  <a:rPr lang="en-IN">
+                    <a:noFill/>
+                  </a:rPr>
+                  <a:t> </a:t>
+                </a:r>
+              </a:p>
+            </p:txBody>
+          </p:sp>
+        </mc:Fallback>
+      </mc:AlternateContent>
+    </p:spTree>
+    <p:extLst>
+      <p:ext uri="{BB962C8B-B14F-4D97-AF65-F5344CB8AC3E}">
+        <p14:creationId xmlns:p14="http://schemas.microsoft.com/office/powerpoint/2010/main" val="3223931407"/>
+      </p:ext>
+    </p:extLst>
+  </p:cSld>
+  <p:clrMapOvr>
+    <a:masterClrMapping/>
+  </p:clrMapOvr>
+</p:sld>
+</file>
+
 <file path=ppt/slides/slide2.xml><?xml version="1.0" encoding="utf-8"?>
 <p:sld xmlns:a="http://schemas.openxmlformats.org/drawingml/2006/main" xmlns:r="http://schemas.openxmlformats.org/officeDocument/2006/relationships" xmlns:p="http://schemas.openxmlformats.org/presentationml/2006/main">
   <p:cSld>
@@ -5572,8 +6709,8 @@
           </a:p>
         </p:txBody>
       </p:sp>
-      <mc:AlternateContent xmlns:mc="http://schemas.openxmlformats.org/markup-compatibility/2006">
-        <mc:Choice xmlns:a14="http://schemas.microsoft.com/office/drawing/2010/main" Requires="a14">
+      <mc:AlternateContent xmlns:mc="http://schemas.openxmlformats.org/markup-compatibility/2006" xmlns:a14="http://schemas.microsoft.com/office/drawing/2010/main">
+        <mc:Choice Requires="a14">
           <p:sp>
             <p:nvSpPr>
               <p:cNvPr id="47" name="TextBox 46">
@@ -5602,6 +6739,7 @@
               </a:bodyPr>
               <a:lstStyle/>
               <a:p>
+                <a:pPr/>
                 <a14:m>
                   <m:oMathPara xmlns:m="http://schemas.openxmlformats.org/officeDocument/2006/math">
                     <m:oMathParaPr>
@@ -5623,7 +6761,7 @@
             </p:txBody>
           </p:sp>
         </mc:Choice>
-        <mc:Fallback>
+        <mc:Fallback xmlns="">
           <p:sp>
             <p:nvSpPr>
               <p:cNvPr id="47" name="TextBox 46">
@@ -5668,8 +6806,8 @@
           </p:sp>
         </mc:Fallback>
       </mc:AlternateContent>
-      <mc:AlternateContent xmlns:mc="http://schemas.openxmlformats.org/markup-compatibility/2006">
-        <mc:Choice xmlns:a14="http://schemas.microsoft.com/office/drawing/2010/main" Requires="a14">
+      <mc:AlternateContent xmlns:mc="http://schemas.openxmlformats.org/markup-compatibility/2006" xmlns:a14="http://schemas.microsoft.com/office/drawing/2010/main">
+        <mc:Choice Requires="a14">
           <p:sp>
             <p:nvSpPr>
               <p:cNvPr id="48" name="TextBox 47">
@@ -5698,6 +6836,7 @@
               </a:bodyPr>
               <a:lstStyle/>
               <a:p>
+                <a:pPr/>
                 <a14:m>
                   <m:oMathPara xmlns:m="http://schemas.openxmlformats.org/officeDocument/2006/math">
                     <m:oMathParaPr>
@@ -5719,7 +6858,7 @@
             </p:txBody>
           </p:sp>
         </mc:Choice>
-        <mc:Fallback>
+        <mc:Fallback xmlns="">
           <p:sp>
             <p:nvSpPr>
               <p:cNvPr id="48" name="TextBox 47">
@@ -5764,8 +6903,8 @@
           </p:sp>
         </mc:Fallback>
       </mc:AlternateContent>
-      <mc:AlternateContent xmlns:mc="http://schemas.openxmlformats.org/markup-compatibility/2006">
-        <mc:Choice xmlns:a14="http://schemas.microsoft.com/office/drawing/2010/main" Requires="a14">
+      <mc:AlternateContent xmlns:mc="http://schemas.openxmlformats.org/markup-compatibility/2006" xmlns:a14="http://schemas.microsoft.com/office/drawing/2010/main">
+        <mc:Choice Requires="a14">
           <p:sp>
             <p:nvSpPr>
               <p:cNvPr id="49" name="TextBox 48">
@@ -5794,6 +6933,7 @@
               </a:bodyPr>
               <a:lstStyle/>
               <a:p>
+                <a:pPr/>
                 <a14:m>
                   <m:oMathPara xmlns:m="http://schemas.openxmlformats.org/officeDocument/2006/math">
                     <m:oMathParaPr>
@@ -5814,7 +6954,7 @@
             </p:txBody>
           </p:sp>
         </mc:Choice>
-        <mc:Fallback>
+        <mc:Fallback xmlns="">
           <p:sp>
             <p:nvSpPr>
               <p:cNvPr id="49" name="TextBox 48">
@@ -5859,8 +6999,8 @@
           </p:sp>
         </mc:Fallback>
       </mc:AlternateContent>
-      <mc:AlternateContent xmlns:mc="http://schemas.openxmlformats.org/markup-compatibility/2006">
-        <mc:Choice xmlns:a14="http://schemas.microsoft.com/office/drawing/2010/main" Requires="a14">
+      <mc:AlternateContent xmlns:mc="http://schemas.openxmlformats.org/markup-compatibility/2006" xmlns:a14="http://schemas.microsoft.com/office/drawing/2010/main">
+        <mc:Choice Requires="a14">
           <p:sp>
             <p:nvSpPr>
               <p:cNvPr id="50" name="TextBox 49">
@@ -5889,6 +7029,7 @@
               </a:bodyPr>
               <a:lstStyle/>
               <a:p>
+                <a:pPr/>
                 <a14:m>
                   <m:oMathPara xmlns:m="http://schemas.openxmlformats.org/officeDocument/2006/math">
                     <m:oMathParaPr>
@@ -5915,7 +7056,7 @@
             </p:txBody>
           </p:sp>
         </mc:Choice>
-        <mc:Fallback>
+        <mc:Fallback xmlns="">
           <p:sp>
             <p:nvSpPr>
               <p:cNvPr id="50" name="TextBox 49">
@@ -5960,8 +7101,8 @@
           </p:sp>
         </mc:Fallback>
       </mc:AlternateContent>
-      <mc:AlternateContent xmlns:mc="http://schemas.openxmlformats.org/markup-compatibility/2006">
-        <mc:Choice xmlns:a14="http://schemas.microsoft.com/office/drawing/2010/main" Requires="a14">
+      <mc:AlternateContent xmlns:mc="http://schemas.openxmlformats.org/markup-compatibility/2006" xmlns:a14="http://schemas.microsoft.com/office/drawing/2010/main">
+        <mc:Choice Requires="a14">
           <p:sp>
             <p:nvSpPr>
               <p:cNvPr id="51" name="TextBox 50">
@@ -5990,6 +7131,7 @@
               </a:bodyPr>
               <a:lstStyle/>
               <a:p>
+                <a:pPr/>
                 <a14:m>
                   <m:oMathPara xmlns:m="http://schemas.openxmlformats.org/officeDocument/2006/math">
                     <m:oMathParaPr>
@@ -6016,7 +7158,7 @@
             </p:txBody>
           </p:sp>
         </mc:Choice>
-        <mc:Fallback>
+        <mc:Fallback xmlns="">
           <p:sp>
             <p:nvSpPr>
               <p:cNvPr id="51" name="TextBox 50">
@@ -6061,8 +7203,8 @@
           </p:sp>
         </mc:Fallback>
       </mc:AlternateContent>
-      <mc:AlternateContent xmlns:mc="http://schemas.openxmlformats.org/markup-compatibility/2006">
-        <mc:Choice xmlns:a14="http://schemas.microsoft.com/office/drawing/2010/main" Requires="a14">
+      <mc:AlternateContent xmlns:mc="http://schemas.openxmlformats.org/markup-compatibility/2006" xmlns:a14="http://schemas.microsoft.com/office/drawing/2010/main">
+        <mc:Choice Requires="a14">
           <p:sp>
             <p:nvSpPr>
               <p:cNvPr id="52" name="TextBox 51">
@@ -6091,6 +7233,7 @@
               </a:bodyPr>
               <a:lstStyle/>
               <a:p>
+                <a:pPr/>
                 <a14:m>
                   <m:oMathPara xmlns:m="http://schemas.openxmlformats.org/officeDocument/2006/math">
                     <m:oMathParaPr>
@@ -6111,7 +7254,7 @@
             </p:txBody>
           </p:sp>
         </mc:Choice>
-        <mc:Fallback>
+        <mc:Fallback xmlns="">
           <p:sp>
             <p:nvSpPr>
               <p:cNvPr id="52" name="TextBox 51">
@@ -6156,8 +7299,8 @@
           </p:sp>
         </mc:Fallback>
       </mc:AlternateContent>
-      <mc:AlternateContent xmlns:mc="http://schemas.openxmlformats.org/markup-compatibility/2006">
-        <mc:Choice xmlns:a14="http://schemas.microsoft.com/office/drawing/2010/main" Requires="a14">
+      <mc:AlternateContent xmlns:mc="http://schemas.openxmlformats.org/markup-compatibility/2006" xmlns:a14="http://schemas.microsoft.com/office/drawing/2010/main">
+        <mc:Choice Requires="a14">
           <p:sp>
             <p:nvSpPr>
               <p:cNvPr id="53" name="TextBox 52">
@@ -6186,6 +7329,7 @@
               </a:bodyPr>
               <a:lstStyle/>
               <a:p>
+                <a:pPr/>
                 <a14:m>
                   <m:oMathPara xmlns:m="http://schemas.openxmlformats.org/officeDocument/2006/math">
                     <m:oMathParaPr>
@@ -6206,7 +7350,7 @@
             </p:txBody>
           </p:sp>
         </mc:Choice>
-        <mc:Fallback>
+        <mc:Fallback xmlns="">
           <p:sp>
             <p:nvSpPr>
               <p:cNvPr id="53" name="TextBox 52">
@@ -6251,8 +7395,8 @@
           </p:sp>
         </mc:Fallback>
       </mc:AlternateContent>
-      <mc:AlternateContent xmlns:mc="http://schemas.openxmlformats.org/markup-compatibility/2006">
-        <mc:Choice xmlns:a14="http://schemas.microsoft.com/office/drawing/2010/main" Requires="a14">
+      <mc:AlternateContent xmlns:mc="http://schemas.openxmlformats.org/markup-compatibility/2006" xmlns:a14="http://schemas.microsoft.com/office/drawing/2010/main">
+        <mc:Choice Requires="a14">
           <p:sp>
             <p:nvSpPr>
               <p:cNvPr id="54" name="TextBox 53">
@@ -6281,6 +7425,7 @@
               </a:bodyPr>
               <a:lstStyle/>
               <a:p>
+                <a:pPr/>
                 <a14:m>
                   <m:oMathPara xmlns:m="http://schemas.openxmlformats.org/officeDocument/2006/math">
                     <m:oMathParaPr>
@@ -6301,7 +7446,7 @@
             </p:txBody>
           </p:sp>
         </mc:Choice>
-        <mc:Fallback>
+        <mc:Fallback xmlns="">
           <p:sp>
             <p:nvSpPr>
               <p:cNvPr id="54" name="TextBox 53">
@@ -6346,8 +7491,8 @@
           </p:sp>
         </mc:Fallback>
       </mc:AlternateContent>
-      <mc:AlternateContent xmlns:mc="http://schemas.openxmlformats.org/markup-compatibility/2006">
-        <mc:Choice xmlns:a14="http://schemas.microsoft.com/office/drawing/2010/main" Requires="a14">
+      <mc:AlternateContent xmlns:mc="http://schemas.openxmlformats.org/markup-compatibility/2006" xmlns:a14="http://schemas.microsoft.com/office/drawing/2010/main">
+        <mc:Choice Requires="a14">
           <p:sp>
             <p:nvSpPr>
               <p:cNvPr id="55" name="TextBox 54">
@@ -6376,6 +7521,7 @@
               </a:bodyPr>
               <a:lstStyle/>
               <a:p>
+                <a:pPr/>
                 <a14:m>
                   <m:oMathPara xmlns:m="http://schemas.openxmlformats.org/officeDocument/2006/math">
                     <m:oMathParaPr>
@@ -6396,7 +7542,7 @@
             </p:txBody>
           </p:sp>
         </mc:Choice>
-        <mc:Fallback>
+        <mc:Fallback xmlns="">
           <p:sp>
             <p:nvSpPr>
               <p:cNvPr id="55" name="TextBox 54">
@@ -6551,8 +7697,8 @@
           </a:fontRef>
         </p:style>
       </p:cxnSp>
-      <mc:AlternateContent xmlns:mc="http://schemas.openxmlformats.org/markup-compatibility/2006">
-        <mc:Choice xmlns:a14="http://schemas.microsoft.com/office/drawing/2010/main" Requires="a14">
+      <mc:AlternateContent xmlns:mc="http://schemas.openxmlformats.org/markup-compatibility/2006" xmlns:a14="http://schemas.microsoft.com/office/drawing/2010/main">
+        <mc:Choice Requires="a14">
           <p:sp>
             <p:nvSpPr>
               <p:cNvPr id="50" name="TextBox 49">
@@ -6581,6 +7727,7 @@
               </a:bodyPr>
               <a:lstStyle/>
               <a:p>
+                <a:pPr/>
                 <a14:m>
                   <m:oMathPara xmlns:m="http://schemas.openxmlformats.org/officeDocument/2006/math">
                     <m:oMathParaPr>
@@ -6607,7 +7754,7 @@
             </p:txBody>
           </p:sp>
         </mc:Choice>
-        <mc:Fallback>
+        <mc:Fallback xmlns="">
           <p:sp>
             <p:nvSpPr>
               <p:cNvPr id="50" name="TextBox 49">
@@ -6652,8 +7799,8 @@
           </p:sp>
         </mc:Fallback>
       </mc:AlternateContent>
-      <mc:AlternateContent xmlns:mc="http://schemas.openxmlformats.org/markup-compatibility/2006">
-        <mc:Choice xmlns:a14="http://schemas.microsoft.com/office/drawing/2010/main" Requires="a14">
+      <mc:AlternateContent xmlns:mc="http://schemas.openxmlformats.org/markup-compatibility/2006" xmlns:a14="http://schemas.microsoft.com/office/drawing/2010/main">
+        <mc:Choice Requires="a14">
           <p:sp>
             <p:nvSpPr>
               <p:cNvPr id="51" name="TextBox 50">
@@ -6682,6 +7829,7 @@
               </a:bodyPr>
               <a:lstStyle/>
               <a:p>
+                <a:pPr/>
                 <a14:m>
                   <m:oMathPara xmlns:m="http://schemas.openxmlformats.org/officeDocument/2006/math">
                     <m:oMathParaPr>
@@ -6708,7 +7856,7 @@
             </p:txBody>
           </p:sp>
         </mc:Choice>
-        <mc:Fallback>
+        <mc:Fallback xmlns="">
           <p:sp>
             <p:nvSpPr>
               <p:cNvPr id="51" name="TextBox 50">
@@ -6753,8 +7901,8 @@
           </p:sp>
         </mc:Fallback>
       </mc:AlternateContent>
-      <mc:AlternateContent xmlns:mc="http://schemas.openxmlformats.org/markup-compatibility/2006">
-        <mc:Choice xmlns:a14="http://schemas.microsoft.com/office/drawing/2010/main" Requires="a14">
+      <mc:AlternateContent xmlns:mc="http://schemas.openxmlformats.org/markup-compatibility/2006" xmlns:a14="http://schemas.microsoft.com/office/drawing/2010/main">
+        <mc:Choice Requires="a14">
           <p:sp>
             <p:nvSpPr>
               <p:cNvPr id="52" name="TextBox 51">
@@ -6783,6 +7931,7 @@
               </a:bodyPr>
               <a:lstStyle/>
               <a:p>
+                <a:pPr/>
                 <a14:m>
                   <m:oMathPara xmlns:m="http://schemas.openxmlformats.org/officeDocument/2006/math">
                     <m:oMathParaPr>
@@ -6803,7 +7952,7 @@
             </p:txBody>
           </p:sp>
         </mc:Choice>
-        <mc:Fallback>
+        <mc:Fallback xmlns="">
           <p:sp>
             <p:nvSpPr>
               <p:cNvPr id="52" name="TextBox 51">
@@ -7015,8 +8164,8 @@
           </a:p>
         </p:txBody>
       </p:sp>
-      <mc:AlternateContent xmlns:mc="http://schemas.openxmlformats.org/markup-compatibility/2006">
-        <mc:Choice xmlns:a14="http://schemas.microsoft.com/office/drawing/2010/main" Requires="a14">
+      <mc:AlternateContent xmlns:mc="http://schemas.openxmlformats.org/markup-compatibility/2006" xmlns:a14="http://schemas.microsoft.com/office/drawing/2010/main">
+        <mc:Choice Requires="a14">
           <p:sp>
             <p:nvSpPr>
               <p:cNvPr id="22" name="TextBox 21">
@@ -7045,6 +8194,7 @@
               </a:bodyPr>
               <a:lstStyle/>
               <a:p>
+                <a:pPr/>
                 <a14:m>
                   <m:oMathPara xmlns:m="http://schemas.openxmlformats.org/officeDocument/2006/math">
                     <m:oMathParaPr>
@@ -7066,7 +8216,7 @@
             </p:txBody>
           </p:sp>
         </mc:Choice>
-        <mc:Fallback>
+        <mc:Fallback xmlns="">
           <p:sp>
             <p:nvSpPr>
               <p:cNvPr id="22" name="TextBox 21">
@@ -7111,8 +8261,8 @@
           </p:sp>
         </mc:Fallback>
       </mc:AlternateContent>
-      <mc:AlternateContent xmlns:mc="http://schemas.openxmlformats.org/markup-compatibility/2006">
-        <mc:Choice xmlns:a14="http://schemas.microsoft.com/office/drawing/2010/main" Requires="a14">
+      <mc:AlternateContent xmlns:mc="http://schemas.openxmlformats.org/markup-compatibility/2006" xmlns:a14="http://schemas.microsoft.com/office/drawing/2010/main">
+        <mc:Choice Requires="a14">
           <p:sp>
             <p:nvSpPr>
               <p:cNvPr id="23" name="TextBox 22">
@@ -7141,6 +8291,7 @@
               </a:bodyPr>
               <a:lstStyle/>
               <a:p>
+                <a:pPr/>
                 <a14:m>
                   <m:oMathPara xmlns:m="http://schemas.openxmlformats.org/officeDocument/2006/math">
                     <m:oMathParaPr>
@@ -7161,7 +8312,7 @@
             </p:txBody>
           </p:sp>
         </mc:Choice>
-        <mc:Fallback>
+        <mc:Fallback xmlns="">
           <p:sp>
             <p:nvSpPr>
               <p:cNvPr id="23" name="TextBox 22">
@@ -7206,8 +8357,8 @@
           </p:sp>
         </mc:Fallback>
       </mc:AlternateContent>
-      <mc:AlternateContent xmlns:mc="http://schemas.openxmlformats.org/markup-compatibility/2006">
-        <mc:Choice xmlns:a14="http://schemas.microsoft.com/office/drawing/2010/main" Requires="a14">
+      <mc:AlternateContent xmlns:mc="http://schemas.openxmlformats.org/markup-compatibility/2006" xmlns:a14="http://schemas.microsoft.com/office/drawing/2010/main">
+        <mc:Choice Requires="a14">
           <p:sp>
             <p:nvSpPr>
               <p:cNvPr id="24" name="TextBox 23">
@@ -7236,6 +8387,7 @@
               </a:bodyPr>
               <a:lstStyle/>
               <a:p>
+                <a:pPr/>
                 <a14:m>
                   <m:oMathPara xmlns:m="http://schemas.openxmlformats.org/officeDocument/2006/math">
                     <m:oMathParaPr>
@@ -7262,7 +8414,7 @@
             </p:txBody>
           </p:sp>
         </mc:Choice>
-        <mc:Fallback>
+        <mc:Fallback xmlns="">
           <p:sp>
             <p:nvSpPr>
               <p:cNvPr id="24" name="TextBox 23">
@@ -7307,8 +8459,8 @@
           </p:sp>
         </mc:Fallback>
       </mc:AlternateContent>
-      <mc:AlternateContent xmlns:mc="http://schemas.openxmlformats.org/markup-compatibility/2006">
-        <mc:Choice xmlns:a14="http://schemas.microsoft.com/office/drawing/2010/main" Requires="a14">
+      <mc:AlternateContent xmlns:mc="http://schemas.openxmlformats.org/markup-compatibility/2006" xmlns:a14="http://schemas.microsoft.com/office/drawing/2010/main">
+        <mc:Choice Requires="a14">
           <p:sp>
             <p:nvSpPr>
               <p:cNvPr id="25" name="TextBox 24">
@@ -7337,6 +8489,7 @@
               </a:bodyPr>
               <a:lstStyle/>
               <a:p>
+                <a:pPr/>
                 <a14:m>
                   <m:oMathPara xmlns:m="http://schemas.openxmlformats.org/officeDocument/2006/math">
                     <m:oMathParaPr>
@@ -7363,7 +8516,7 @@
             </p:txBody>
           </p:sp>
         </mc:Choice>
-        <mc:Fallback>
+        <mc:Fallback xmlns="">
           <p:sp>
             <p:nvSpPr>
               <p:cNvPr id="25" name="TextBox 24">
@@ -7408,8 +8561,8 @@
           </p:sp>
         </mc:Fallback>
       </mc:AlternateContent>
-      <mc:AlternateContent xmlns:mc="http://schemas.openxmlformats.org/markup-compatibility/2006">
-        <mc:Choice xmlns:a14="http://schemas.microsoft.com/office/drawing/2010/main" Requires="a14">
+      <mc:AlternateContent xmlns:mc="http://schemas.openxmlformats.org/markup-compatibility/2006" xmlns:a14="http://schemas.microsoft.com/office/drawing/2010/main">
+        <mc:Choice Requires="a14">
           <p:sp>
             <p:nvSpPr>
               <p:cNvPr id="26" name="TextBox 25">
@@ -7438,6 +8591,7 @@
               </a:bodyPr>
               <a:lstStyle/>
               <a:p>
+                <a:pPr/>
                 <a14:m>
                   <m:oMathPara xmlns:m="http://schemas.openxmlformats.org/officeDocument/2006/math">
                     <m:oMathParaPr>
@@ -7458,7 +8612,7 @@
             </p:txBody>
           </p:sp>
         </mc:Choice>
-        <mc:Fallback>
+        <mc:Fallback xmlns="">
           <p:sp>
             <p:nvSpPr>
               <p:cNvPr id="26" name="TextBox 25">
@@ -7503,8 +8657,8 @@
           </p:sp>
         </mc:Fallback>
       </mc:AlternateContent>
-      <mc:AlternateContent xmlns:mc="http://schemas.openxmlformats.org/markup-compatibility/2006">
-        <mc:Choice xmlns:a14="http://schemas.microsoft.com/office/drawing/2010/main" Requires="a14">
+      <mc:AlternateContent xmlns:mc="http://schemas.openxmlformats.org/markup-compatibility/2006" xmlns:a14="http://schemas.microsoft.com/office/drawing/2010/main">
+        <mc:Choice Requires="a14">
           <p:sp>
             <p:nvSpPr>
               <p:cNvPr id="27" name="TextBox 26">
@@ -7533,6 +8687,7 @@
               </a:bodyPr>
               <a:lstStyle/>
               <a:p>
+                <a:pPr/>
                 <a14:m>
                   <m:oMathPara xmlns:m="http://schemas.openxmlformats.org/officeDocument/2006/math">
                     <m:oMathParaPr>
@@ -7553,7 +8708,7 @@
             </p:txBody>
           </p:sp>
         </mc:Choice>
-        <mc:Fallback>
+        <mc:Fallback xmlns="">
           <p:sp>
             <p:nvSpPr>
               <p:cNvPr id="27" name="TextBox 26">
@@ -7598,8 +8753,8 @@
           </p:sp>
         </mc:Fallback>
       </mc:AlternateContent>
-      <mc:AlternateContent xmlns:mc="http://schemas.openxmlformats.org/markup-compatibility/2006">
-        <mc:Choice xmlns:a14="http://schemas.microsoft.com/office/drawing/2010/main" Requires="a14">
+      <mc:AlternateContent xmlns:mc="http://schemas.openxmlformats.org/markup-compatibility/2006" xmlns:a14="http://schemas.microsoft.com/office/drawing/2010/main">
+        <mc:Choice Requires="a14">
           <p:sp>
             <p:nvSpPr>
               <p:cNvPr id="28" name="TextBox 27">
@@ -7628,6 +8783,7 @@
               </a:bodyPr>
               <a:lstStyle/>
               <a:p>
+                <a:pPr/>
                 <a14:m>
                   <m:oMathPara xmlns:m="http://schemas.openxmlformats.org/officeDocument/2006/math">
                     <m:oMathParaPr>
@@ -7648,7 +8804,7 @@
             </p:txBody>
           </p:sp>
         </mc:Choice>
-        <mc:Fallback>
+        <mc:Fallback xmlns="">
           <p:sp>
             <p:nvSpPr>
               <p:cNvPr id="28" name="TextBox 27">
@@ -8634,8 +9790,8 @@
           </a:p>
         </p:txBody>
       </p:sp>
-      <mc:AlternateContent xmlns:mc="http://schemas.openxmlformats.org/markup-compatibility/2006">
-        <mc:Choice xmlns:a14="http://schemas.microsoft.com/office/drawing/2010/main" Requires="a14">
+      <mc:AlternateContent xmlns:mc="http://schemas.openxmlformats.org/markup-compatibility/2006" xmlns:a14="http://schemas.microsoft.com/office/drawing/2010/main">
+        <mc:Choice Requires="a14">
           <p:sp>
             <p:nvSpPr>
               <p:cNvPr id="27" name="TextBox 26">
@@ -8664,6 +9820,7 @@
               </a:bodyPr>
               <a:lstStyle/>
               <a:p>
+                <a:pPr/>
                 <a14:m>
                   <m:oMathPara xmlns:m="http://schemas.openxmlformats.org/officeDocument/2006/math">
                     <m:oMathParaPr>
@@ -8685,7 +9842,7 @@
             </p:txBody>
           </p:sp>
         </mc:Choice>
-        <mc:Fallback>
+        <mc:Fallback xmlns="">
           <p:sp>
             <p:nvSpPr>
               <p:cNvPr id="27" name="TextBox 26">
@@ -8730,8 +9887,8 @@
           </p:sp>
         </mc:Fallback>
       </mc:AlternateContent>
-      <mc:AlternateContent xmlns:mc="http://schemas.openxmlformats.org/markup-compatibility/2006">
-        <mc:Choice xmlns:a14="http://schemas.microsoft.com/office/drawing/2010/main" Requires="a14">
+      <mc:AlternateContent xmlns:mc="http://schemas.openxmlformats.org/markup-compatibility/2006" xmlns:a14="http://schemas.microsoft.com/office/drawing/2010/main">
+        <mc:Choice Requires="a14">
           <p:sp>
             <p:nvSpPr>
               <p:cNvPr id="28" name="TextBox 27">
@@ -8802,7 +9959,7 @@
             </p:txBody>
           </p:sp>
         </mc:Choice>
-        <mc:Fallback>
+        <mc:Fallback xmlns="">
           <p:sp>
             <p:nvSpPr>
               <p:cNvPr id="28" name="TextBox 27">
@@ -8847,8 +10004,8 @@
           </p:sp>
         </mc:Fallback>
       </mc:AlternateContent>
-      <mc:AlternateContent xmlns:mc="http://schemas.openxmlformats.org/markup-compatibility/2006">
-        <mc:Choice xmlns:a14="http://schemas.microsoft.com/office/drawing/2010/main" Requires="a14">
+      <mc:AlternateContent xmlns:mc="http://schemas.openxmlformats.org/markup-compatibility/2006" xmlns:a14="http://schemas.microsoft.com/office/drawing/2010/main">
+        <mc:Choice Requires="a14">
           <p:sp>
             <p:nvSpPr>
               <p:cNvPr id="32" name="TextBox 31">
@@ -8918,7 +10075,7 @@
             </p:txBody>
           </p:sp>
         </mc:Choice>
-        <mc:Fallback>
+        <mc:Fallback xmlns="">
           <p:sp>
             <p:nvSpPr>
               <p:cNvPr id="32" name="TextBox 31">
@@ -9254,8 +10411,8 @@
           </a:p>
         </p:txBody>
       </p:sp>
-      <mc:AlternateContent xmlns:mc="http://schemas.openxmlformats.org/markup-compatibility/2006">
-        <mc:Choice xmlns:a14="http://schemas.microsoft.com/office/drawing/2010/main" Requires="a14">
+      <mc:AlternateContent xmlns:mc="http://schemas.openxmlformats.org/markup-compatibility/2006" xmlns:a14="http://schemas.microsoft.com/office/drawing/2010/main">
+        <mc:Choice Requires="a14">
           <p:sp>
             <p:nvSpPr>
               <p:cNvPr id="19" name="TextBox 18">
@@ -9284,6 +10441,7 @@
               </a:bodyPr>
               <a:lstStyle/>
               <a:p>
+                <a:pPr/>
                 <a14:m>
                   <m:oMathPara xmlns:m="http://schemas.openxmlformats.org/officeDocument/2006/math">
                     <m:oMathParaPr>
@@ -9305,7 +10463,7 @@
             </p:txBody>
           </p:sp>
         </mc:Choice>
-        <mc:Fallback>
+        <mc:Fallback xmlns="">
           <p:sp>
             <p:nvSpPr>
               <p:cNvPr id="19" name="TextBox 18">
@@ -9350,8 +10508,8 @@
           </p:sp>
         </mc:Fallback>
       </mc:AlternateContent>
-      <mc:AlternateContent xmlns:mc="http://schemas.openxmlformats.org/markup-compatibility/2006">
-        <mc:Choice xmlns:a14="http://schemas.microsoft.com/office/drawing/2010/main" Requires="a14">
+      <mc:AlternateContent xmlns:mc="http://schemas.openxmlformats.org/markup-compatibility/2006" xmlns:a14="http://schemas.microsoft.com/office/drawing/2010/main">
+        <mc:Choice Requires="a14">
           <p:sp>
             <p:nvSpPr>
               <p:cNvPr id="10" name="Rectangle 9">
@@ -9379,6 +10537,7 @@
               </a:bodyPr>
               <a:lstStyle/>
               <a:p>
+                <a:pPr/>
                 <a14:m>
                   <m:oMathPara xmlns:m="http://schemas.openxmlformats.org/officeDocument/2006/math">
                     <m:oMathParaPr>
@@ -9400,7 +10559,7 @@
             </p:txBody>
           </p:sp>
         </mc:Choice>
-        <mc:Fallback>
+        <mc:Fallback xmlns="">
           <p:sp>
             <p:nvSpPr>
               <p:cNvPr id="10" name="Rectangle 9">
@@ -9445,8 +10604,8 @@
           </p:sp>
         </mc:Fallback>
       </mc:AlternateContent>
-      <mc:AlternateContent xmlns:mc="http://schemas.openxmlformats.org/markup-compatibility/2006">
-        <mc:Choice xmlns:a14="http://schemas.microsoft.com/office/drawing/2010/main" Requires="a14">
+      <mc:AlternateContent xmlns:mc="http://schemas.openxmlformats.org/markup-compatibility/2006" xmlns:a14="http://schemas.microsoft.com/office/drawing/2010/main">
+        <mc:Choice Requires="a14">
           <p:sp>
             <p:nvSpPr>
               <p:cNvPr id="11" name="Rectangle 10">
@@ -9474,6 +10633,7 @@
               </a:bodyPr>
               <a:lstStyle/>
               <a:p>
+                <a:pPr/>
                 <a14:m>
                   <m:oMathPara xmlns:m="http://schemas.openxmlformats.org/officeDocument/2006/math">
                     <m:oMathParaPr>
@@ -9495,7 +10655,7 @@
             </p:txBody>
           </p:sp>
         </mc:Choice>
-        <mc:Fallback>
+        <mc:Fallback xmlns="">
           <p:sp>
             <p:nvSpPr>
               <p:cNvPr id="11" name="Rectangle 10">
@@ -9652,6 +10812,3319 @@
     <p:extLst>
       <p:ext uri="{BB962C8B-B14F-4D97-AF65-F5344CB8AC3E}">
         <p14:creationId xmlns:p14="http://schemas.microsoft.com/office/powerpoint/2010/main" val="3011703719"/>
+      </p:ext>
+    </p:extLst>
+  </p:cSld>
+  <p:clrMapOvr>
+    <a:masterClrMapping/>
+  </p:clrMapOvr>
+</p:sld>
+</file>
+
+<file path=ppt/slides/slide8.xml><?xml version="1.0" encoding="utf-8"?>
+<p:sld xmlns:a="http://schemas.openxmlformats.org/drawingml/2006/main" xmlns:r="http://schemas.openxmlformats.org/officeDocument/2006/relationships" xmlns:p="http://schemas.openxmlformats.org/presentationml/2006/main">
+  <p:cSld>
+    <p:spTree>
+      <p:nvGrpSpPr>
+        <p:cNvPr id="1" name=""/>
+        <p:cNvGrpSpPr/>
+        <p:nvPr/>
+      </p:nvGrpSpPr>
+      <p:grpSpPr>
+        <a:xfrm>
+          <a:off x="0" y="0"/>
+          <a:ext cx="0" cy="0"/>
+          <a:chOff x="0" y="0"/>
+          <a:chExt cx="0" cy="0"/>
+        </a:xfrm>
+      </p:grpSpPr>
+      <p:cxnSp>
+        <p:nvCxnSpPr>
+          <p:cNvPr id="13" name="Straight Connector 12">
+            <a:extLst>
+              <a:ext uri="{FF2B5EF4-FFF2-40B4-BE49-F238E27FC236}">
+                <a16:creationId xmlns:a16="http://schemas.microsoft.com/office/drawing/2014/main" id="{619FA463-6142-4615-B8AA-D3D16621CAFC}"/>
+              </a:ext>
+            </a:extLst>
+          </p:cNvPr>
+          <p:cNvCxnSpPr>
+            <a:cxnSpLocks/>
+          </p:cNvCxnSpPr>
+          <p:nvPr/>
+        </p:nvCxnSpPr>
+        <p:spPr>
+          <a:xfrm>
+            <a:off x="3316941" y="2339788"/>
+            <a:ext cx="0" cy="1891553"/>
+          </a:xfrm>
+          <a:prstGeom prst="line">
+            <a:avLst/>
+          </a:prstGeom>
+          <a:ln w="57150">
+            <a:prstDash val="sysDot"/>
+          </a:ln>
+        </p:spPr>
+        <p:style>
+          <a:lnRef idx="1">
+            <a:schemeClr val="accent6"/>
+          </a:lnRef>
+          <a:fillRef idx="0">
+            <a:schemeClr val="accent6"/>
+          </a:fillRef>
+          <a:effectRef idx="0">
+            <a:schemeClr val="accent6"/>
+          </a:effectRef>
+          <a:fontRef idx="minor">
+            <a:schemeClr val="tx1"/>
+          </a:fontRef>
+        </p:style>
+      </p:cxnSp>
+      <p:cxnSp>
+        <p:nvCxnSpPr>
+          <p:cNvPr id="3" name="Straight Connector 2">
+            <a:extLst>
+              <a:ext uri="{FF2B5EF4-FFF2-40B4-BE49-F238E27FC236}">
+                <a16:creationId xmlns:a16="http://schemas.microsoft.com/office/drawing/2014/main" id="{97EFB716-661A-468E-B925-6B79D1E356E0}"/>
+              </a:ext>
+            </a:extLst>
+          </p:cNvPr>
+          <p:cNvCxnSpPr>
+            <a:cxnSpLocks/>
+          </p:cNvCxnSpPr>
+          <p:nvPr/>
+        </p:nvCxnSpPr>
+        <p:spPr>
+          <a:xfrm flipV="1">
+            <a:off x="2115671" y="2339788"/>
+            <a:ext cx="1201270" cy="1891553"/>
+          </a:xfrm>
+          <a:prstGeom prst="line">
+            <a:avLst/>
+          </a:prstGeom>
+          <a:ln w="38100"/>
+        </p:spPr>
+        <p:style>
+          <a:lnRef idx="2">
+            <a:schemeClr val="dk1">
+              <a:shade val="50000"/>
+            </a:schemeClr>
+          </a:lnRef>
+          <a:fillRef idx="1">
+            <a:schemeClr val="dk1"/>
+          </a:fillRef>
+          <a:effectRef idx="0">
+            <a:schemeClr val="dk1"/>
+          </a:effectRef>
+          <a:fontRef idx="minor">
+            <a:schemeClr val="lt1"/>
+          </a:fontRef>
+        </p:style>
+      </p:cxnSp>
+      <p:cxnSp>
+        <p:nvCxnSpPr>
+          <p:cNvPr id="8" name="Straight Connector 7">
+            <a:extLst>
+              <a:ext uri="{FF2B5EF4-FFF2-40B4-BE49-F238E27FC236}">
+                <a16:creationId xmlns:a16="http://schemas.microsoft.com/office/drawing/2014/main" id="{4FF6C55E-62D0-443C-9E68-42CEAA18B4FB}"/>
+              </a:ext>
+            </a:extLst>
+          </p:cNvPr>
+          <p:cNvCxnSpPr/>
+          <p:nvPr/>
+        </p:nvCxnSpPr>
+        <p:spPr>
+          <a:xfrm>
+            <a:off x="3316941" y="2330824"/>
+            <a:ext cx="995083" cy="1891552"/>
+          </a:xfrm>
+          <a:prstGeom prst="line">
+            <a:avLst/>
+          </a:prstGeom>
+          <a:ln w="38100"/>
+        </p:spPr>
+        <p:style>
+          <a:lnRef idx="2">
+            <a:schemeClr val="dk1">
+              <a:shade val="50000"/>
+            </a:schemeClr>
+          </a:lnRef>
+          <a:fillRef idx="1">
+            <a:schemeClr val="dk1"/>
+          </a:fillRef>
+          <a:effectRef idx="0">
+            <a:schemeClr val="dk1"/>
+          </a:effectRef>
+          <a:fontRef idx="minor">
+            <a:schemeClr val="lt1"/>
+          </a:fontRef>
+        </p:style>
+      </p:cxnSp>
+      <p:cxnSp>
+        <p:nvCxnSpPr>
+          <p:cNvPr id="20" name="Straight Connector 19">
+            <a:extLst>
+              <a:ext uri="{FF2B5EF4-FFF2-40B4-BE49-F238E27FC236}">
+                <a16:creationId xmlns:a16="http://schemas.microsoft.com/office/drawing/2014/main" id="{7D857F28-F6DE-41C6-BFE8-149F3F0D5997}"/>
+              </a:ext>
+            </a:extLst>
+          </p:cNvPr>
+          <p:cNvCxnSpPr>
+            <a:cxnSpLocks/>
+          </p:cNvCxnSpPr>
+          <p:nvPr/>
+        </p:nvCxnSpPr>
+        <p:spPr>
+          <a:xfrm flipV="1">
+            <a:off x="4312024" y="2339788"/>
+            <a:ext cx="1201270" cy="1891553"/>
+          </a:xfrm>
+          <a:prstGeom prst="line">
+            <a:avLst/>
+          </a:prstGeom>
+          <a:ln w="38100"/>
+        </p:spPr>
+        <p:style>
+          <a:lnRef idx="2">
+            <a:schemeClr val="dk1">
+              <a:shade val="50000"/>
+            </a:schemeClr>
+          </a:lnRef>
+          <a:fillRef idx="1">
+            <a:schemeClr val="dk1"/>
+          </a:fillRef>
+          <a:effectRef idx="0">
+            <a:schemeClr val="dk1"/>
+          </a:effectRef>
+          <a:fontRef idx="minor">
+            <a:schemeClr val="lt1"/>
+          </a:fontRef>
+        </p:style>
+      </p:cxnSp>
+      <p:cxnSp>
+        <p:nvCxnSpPr>
+          <p:cNvPr id="21" name="Straight Connector 20">
+            <a:extLst>
+              <a:ext uri="{FF2B5EF4-FFF2-40B4-BE49-F238E27FC236}">
+                <a16:creationId xmlns:a16="http://schemas.microsoft.com/office/drawing/2014/main" id="{65E6EEA3-4DE8-4929-AF40-2FA2CA9218A5}"/>
+              </a:ext>
+            </a:extLst>
+          </p:cNvPr>
+          <p:cNvCxnSpPr/>
+          <p:nvPr/>
+        </p:nvCxnSpPr>
+        <p:spPr>
+          <a:xfrm>
+            <a:off x="5513294" y="2330824"/>
+            <a:ext cx="995083" cy="1891552"/>
+          </a:xfrm>
+          <a:prstGeom prst="line">
+            <a:avLst/>
+          </a:prstGeom>
+          <a:ln w="38100"/>
+        </p:spPr>
+        <p:style>
+          <a:lnRef idx="2">
+            <a:schemeClr val="dk1">
+              <a:shade val="50000"/>
+            </a:schemeClr>
+          </a:lnRef>
+          <a:fillRef idx="1">
+            <a:schemeClr val="dk1"/>
+          </a:fillRef>
+          <a:effectRef idx="0">
+            <a:schemeClr val="dk1"/>
+          </a:effectRef>
+          <a:fontRef idx="minor">
+            <a:schemeClr val="lt1"/>
+          </a:fontRef>
+        </p:style>
+      </p:cxnSp>
+      <p:cxnSp>
+        <p:nvCxnSpPr>
+          <p:cNvPr id="24" name="Straight Connector 23">
+            <a:extLst>
+              <a:ext uri="{FF2B5EF4-FFF2-40B4-BE49-F238E27FC236}">
+                <a16:creationId xmlns:a16="http://schemas.microsoft.com/office/drawing/2014/main" id="{BFDAF506-6BE5-475B-8603-7095C468F436}"/>
+              </a:ext>
+            </a:extLst>
+          </p:cNvPr>
+          <p:cNvCxnSpPr>
+            <a:cxnSpLocks/>
+          </p:cNvCxnSpPr>
+          <p:nvPr/>
+        </p:nvCxnSpPr>
+        <p:spPr>
+          <a:xfrm>
+            <a:off x="4312024" y="2339788"/>
+            <a:ext cx="0" cy="1882588"/>
+          </a:xfrm>
+          <a:prstGeom prst="line">
+            <a:avLst/>
+          </a:prstGeom>
+          <a:ln w="57150">
+            <a:prstDash val="sysDot"/>
+          </a:ln>
+        </p:spPr>
+        <p:style>
+          <a:lnRef idx="1">
+            <a:schemeClr val="accent6"/>
+          </a:lnRef>
+          <a:fillRef idx="0">
+            <a:schemeClr val="accent6"/>
+          </a:fillRef>
+          <a:effectRef idx="0">
+            <a:schemeClr val="accent6"/>
+          </a:effectRef>
+          <a:fontRef idx="minor">
+            <a:schemeClr val="tx1"/>
+          </a:fontRef>
+        </p:style>
+      </p:cxnSp>
+      <p:cxnSp>
+        <p:nvCxnSpPr>
+          <p:cNvPr id="25" name="Straight Connector 24">
+            <a:extLst>
+              <a:ext uri="{FF2B5EF4-FFF2-40B4-BE49-F238E27FC236}">
+                <a16:creationId xmlns:a16="http://schemas.microsoft.com/office/drawing/2014/main" id="{41E2474E-7473-4FCC-96EE-4FE35420A54C}"/>
+              </a:ext>
+            </a:extLst>
+          </p:cNvPr>
+          <p:cNvCxnSpPr>
+            <a:cxnSpLocks/>
+          </p:cNvCxnSpPr>
+          <p:nvPr/>
+        </p:nvCxnSpPr>
+        <p:spPr>
+          <a:xfrm>
+            <a:off x="5513294" y="2330824"/>
+            <a:ext cx="0" cy="1891552"/>
+          </a:xfrm>
+          <a:prstGeom prst="line">
+            <a:avLst/>
+          </a:prstGeom>
+          <a:ln w="57150">
+            <a:prstDash val="sysDot"/>
+          </a:ln>
+        </p:spPr>
+        <p:style>
+          <a:lnRef idx="1">
+            <a:schemeClr val="accent6"/>
+          </a:lnRef>
+          <a:fillRef idx="0">
+            <a:schemeClr val="accent6"/>
+          </a:fillRef>
+          <a:effectRef idx="0">
+            <a:schemeClr val="accent6"/>
+          </a:effectRef>
+          <a:fontRef idx="minor">
+            <a:schemeClr val="tx1"/>
+          </a:fontRef>
+        </p:style>
+      </p:cxnSp>
+      <p:cxnSp>
+        <p:nvCxnSpPr>
+          <p:cNvPr id="15" name="Straight Connector 14">
+            <a:extLst>
+              <a:ext uri="{FF2B5EF4-FFF2-40B4-BE49-F238E27FC236}">
+                <a16:creationId xmlns:a16="http://schemas.microsoft.com/office/drawing/2014/main" id="{DA9CDD91-D6EE-4B25-B603-2FFB5A95C8D3}"/>
+              </a:ext>
+            </a:extLst>
+          </p:cNvPr>
+          <p:cNvCxnSpPr/>
+          <p:nvPr/>
+        </p:nvCxnSpPr>
+        <p:spPr>
+          <a:xfrm>
+            <a:off x="3316941" y="2338444"/>
+            <a:ext cx="2196353" cy="8964"/>
+          </a:xfrm>
+          <a:prstGeom prst="line">
+            <a:avLst/>
+          </a:prstGeom>
+          <a:ln w="38100"/>
+        </p:spPr>
+        <p:style>
+          <a:lnRef idx="2">
+            <a:schemeClr val="dk1">
+              <a:shade val="50000"/>
+            </a:schemeClr>
+          </a:lnRef>
+          <a:fillRef idx="1">
+            <a:schemeClr val="dk1"/>
+          </a:fillRef>
+          <a:effectRef idx="0">
+            <a:schemeClr val="dk1"/>
+          </a:effectRef>
+          <a:fontRef idx="minor">
+            <a:schemeClr val="lt1"/>
+          </a:fontRef>
+        </p:style>
+      </p:cxnSp>
+      <p:cxnSp>
+        <p:nvCxnSpPr>
+          <p:cNvPr id="27" name="Straight Connector 26">
+            <a:extLst>
+              <a:ext uri="{FF2B5EF4-FFF2-40B4-BE49-F238E27FC236}">
+                <a16:creationId xmlns:a16="http://schemas.microsoft.com/office/drawing/2014/main" id="{78DA87DE-518B-402A-8C9C-6BD28AF70E54}"/>
+              </a:ext>
+            </a:extLst>
+          </p:cNvPr>
+          <p:cNvCxnSpPr/>
+          <p:nvPr/>
+        </p:nvCxnSpPr>
+        <p:spPr>
+          <a:xfrm>
+            <a:off x="2115670" y="4222376"/>
+            <a:ext cx="4392707" cy="8965"/>
+          </a:xfrm>
+          <a:prstGeom prst="line">
+            <a:avLst/>
+          </a:prstGeom>
+          <a:ln w="38100"/>
+        </p:spPr>
+        <p:style>
+          <a:lnRef idx="2">
+            <a:schemeClr val="dk1">
+              <a:shade val="50000"/>
+            </a:schemeClr>
+          </a:lnRef>
+          <a:fillRef idx="1">
+            <a:schemeClr val="dk1"/>
+          </a:fillRef>
+          <a:effectRef idx="0">
+            <a:schemeClr val="dk1"/>
+          </a:effectRef>
+          <a:fontRef idx="minor">
+            <a:schemeClr val="lt1"/>
+          </a:fontRef>
+        </p:style>
+      </p:cxnSp>
+      <p:sp>
+        <p:nvSpPr>
+          <p:cNvPr id="32" name="Isosceles Triangle 31">
+            <a:extLst>
+              <a:ext uri="{FF2B5EF4-FFF2-40B4-BE49-F238E27FC236}">
+                <a16:creationId xmlns:a16="http://schemas.microsoft.com/office/drawing/2014/main" id="{59212A76-8642-4328-9FC4-0D9B6AC73678}"/>
+              </a:ext>
+            </a:extLst>
+          </p:cNvPr>
+          <p:cNvSpPr/>
+          <p:nvPr/>
+        </p:nvSpPr>
+        <p:spPr>
+          <a:xfrm>
+            <a:off x="1943100" y="4240305"/>
+            <a:ext cx="358140" cy="263115"/>
+          </a:xfrm>
+          <a:prstGeom prst="triangle">
+            <a:avLst/>
+          </a:prstGeom>
+        </p:spPr>
+        <p:style>
+          <a:lnRef idx="2">
+            <a:schemeClr val="dk1">
+              <a:shade val="50000"/>
+            </a:schemeClr>
+          </a:lnRef>
+          <a:fillRef idx="1">
+            <a:schemeClr val="dk1"/>
+          </a:fillRef>
+          <a:effectRef idx="0">
+            <a:schemeClr val="dk1"/>
+          </a:effectRef>
+          <a:fontRef idx="minor">
+            <a:schemeClr val="lt1"/>
+          </a:fontRef>
+        </p:style>
+        <p:txBody>
+          <a:bodyPr rtlCol="0" anchor="ctr"/>
+          <a:lstStyle/>
+          <a:p>
+            <a:pPr algn="ctr"/>
+            <a:endParaRPr lang="en-IN"/>
+          </a:p>
+        </p:txBody>
+      </p:sp>
+      <p:sp>
+        <p:nvSpPr>
+          <p:cNvPr id="33" name="Isosceles Triangle 32">
+            <a:extLst>
+              <a:ext uri="{FF2B5EF4-FFF2-40B4-BE49-F238E27FC236}">
+                <a16:creationId xmlns:a16="http://schemas.microsoft.com/office/drawing/2014/main" id="{B2C4563C-1778-4648-98B9-B295872FC6FA}"/>
+              </a:ext>
+            </a:extLst>
+          </p:cNvPr>
+          <p:cNvSpPr/>
+          <p:nvPr/>
+        </p:nvSpPr>
+        <p:spPr>
+          <a:xfrm>
+            <a:off x="6336927" y="4240305"/>
+            <a:ext cx="358140" cy="263115"/>
+          </a:xfrm>
+          <a:prstGeom prst="triangle">
+            <a:avLst/>
+          </a:prstGeom>
+        </p:spPr>
+        <p:style>
+          <a:lnRef idx="2">
+            <a:schemeClr val="dk1">
+              <a:shade val="50000"/>
+            </a:schemeClr>
+          </a:lnRef>
+          <a:fillRef idx="1">
+            <a:schemeClr val="dk1"/>
+          </a:fillRef>
+          <a:effectRef idx="0">
+            <a:schemeClr val="dk1"/>
+          </a:effectRef>
+          <a:fontRef idx="minor">
+            <a:schemeClr val="lt1"/>
+          </a:fontRef>
+        </p:style>
+        <p:txBody>
+          <a:bodyPr rtlCol="0" anchor="ctr"/>
+          <a:lstStyle/>
+          <a:p>
+            <a:pPr algn="ctr"/>
+            <a:endParaRPr lang="en-IN"/>
+          </a:p>
+        </p:txBody>
+      </p:sp>
+      <p:sp>
+        <p:nvSpPr>
+          <p:cNvPr id="34" name="Oval 33">
+            <a:extLst>
+              <a:ext uri="{FF2B5EF4-FFF2-40B4-BE49-F238E27FC236}">
+                <a16:creationId xmlns:a16="http://schemas.microsoft.com/office/drawing/2014/main" id="{81177CDE-4C90-40B3-8D9B-495E5CBFD9B1}"/>
+              </a:ext>
+            </a:extLst>
+          </p:cNvPr>
+          <p:cNvSpPr/>
+          <p:nvPr/>
+        </p:nvSpPr>
+        <p:spPr>
+          <a:xfrm>
+            <a:off x="1943100" y="4512384"/>
+            <a:ext cx="83820" cy="85016"/>
+          </a:xfrm>
+          <a:prstGeom prst="ellipse">
+            <a:avLst/>
+          </a:prstGeom>
+        </p:spPr>
+        <p:style>
+          <a:lnRef idx="2">
+            <a:schemeClr val="dk1">
+              <a:shade val="50000"/>
+            </a:schemeClr>
+          </a:lnRef>
+          <a:fillRef idx="1">
+            <a:schemeClr val="dk1"/>
+          </a:fillRef>
+          <a:effectRef idx="0">
+            <a:schemeClr val="dk1"/>
+          </a:effectRef>
+          <a:fontRef idx="minor">
+            <a:schemeClr val="lt1"/>
+          </a:fontRef>
+        </p:style>
+        <p:txBody>
+          <a:bodyPr rtlCol="0" anchor="ctr"/>
+          <a:lstStyle/>
+          <a:p>
+            <a:pPr algn="ctr"/>
+            <a:endParaRPr lang="en-IN"/>
+          </a:p>
+        </p:txBody>
+      </p:sp>
+      <p:sp>
+        <p:nvSpPr>
+          <p:cNvPr id="35" name="Oval 34">
+            <a:extLst>
+              <a:ext uri="{FF2B5EF4-FFF2-40B4-BE49-F238E27FC236}">
+                <a16:creationId xmlns:a16="http://schemas.microsoft.com/office/drawing/2014/main" id="{9671AC2E-1405-42FE-9BF1-6F4B3254EE60}"/>
+              </a:ext>
+            </a:extLst>
+          </p:cNvPr>
+          <p:cNvSpPr/>
+          <p:nvPr/>
+        </p:nvSpPr>
+        <p:spPr>
+          <a:xfrm>
+            <a:off x="2199640" y="4512384"/>
+            <a:ext cx="83820" cy="85016"/>
+          </a:xfrm>
+          <a:prstGeom prst="ellipse">
+            <a:avLst/>
+          </a:prstGeom>
+        </p:spPr>
+        <p:style>
+          <a:lnRef idx="2">
+            <a:schemeClr val="dk1">
+              <a:shade val="50000"/>
+            </a:schemeClr>
+          </a:lnRef>
+          <a:fillRef idx="1">
+            <a:schemeClr val="dk1"/>
+          </a:fillRef>
+          <a:effectRef idx="0">
+            <a:schemeClr val="dk1"/>
+          </a:effectRef>
+          <a:fontRef idx="minor">
+            <a:schemeClr val="lt1"/>
+          </a:fontRef>
+        </p:style>
+        <p:txBody>
+          <a:bodyPr rtlCol="0" anchor="ctr"/>
+          <a:lstStyle/>
+          <a:p>
+            <a:pPr algn="ctr"/>
+            <a:endParaRPr lang="en-IN"/>
+          </a:p>
+        </p:txBody>
+      </p:sp>
+      <p:sp>
+        <p:nvSpPr>
+          <p:cNvPr id="36" name="TextBox 35">
+            <a:extLst>
+              <a:ext uri="{FF2B5EF4-FFF2-40B4-BE49-F238E27FC236}">
+                <a16:creationId xmlns:a16="http://schemas.microsoft.com/office/drawing/2014/main" id="{C7E64690-E1F6-4B87-8C85-203BBE048FBE}"/>
+              </a:ext>
+            </a:extLst>
+          </p:cNvPr>
+          <p:cNvSpPr txBox="1"/>
+          <p:nvPr/>
+        </p:nvSpPr>
+        <p:spPr>
+          <a:xfrm>
+            <a:off x="1739204" y="3848642"/>
+            <a:ext cx="376465" cy="523220"/>
+          </a:xfrm>
+          <a:prstGeom prst="rect">
+            <a:avLst/>
+          </a:prstGeom>
+          <a:noFill/>
+        </p:spPr>
+        <p:txBody>
+          <a:bodyPr wrap="square" rtlCol="0">
+            <a:spAutoFit/>
+          </a:bodyPr>
+          <a:lstStyle/>
+          <a:p>
+            <a:r>
+              <a:rPr lang="en-US" sz="2800" b="1"/>
+              <a:t>A</a:t>
+            </a:r>
+            <a:endParaRPr lang="en-IN" sz="2800" b="1"/>
+          </a:p>
+        </p:txBody>
+      </p:sp>
+      <p:sp>
+        <p:nvSpPr>
+          <p:cNvPr id="37" name="TextBox 36">
+            <a:extLst>
+              <a:ext uri="{FF2B5EF4-FFF2-40B4-BE49-F238E27FC236}">
+                <a16:creationId xmlns:a16="http://schemas.microsoft.com/office/drawing/2014/main" id="{919CA00C-8D7A-423F-9D62-1DAA4916EBF9}"/>
+              </a:ext>
+            </a:extLst>
+          </p:cNvPr>
+          <p:cNvSpPr txBox="1"/>
+          <p:nvPr/>
+        </p:nvSpPr>
+        <p:spPr>
+          <a:xfrm>
+            <a:off x="3103689" y="1829921"/>
+            <a:ext cx="376465" cy="523220"/>
+          </a:xfrm>
+          <a:prstGeom prst="rect">
+            <a:avLst/>
+          </a:prstGeom>
+          <a:noFill/>
+        </p:spPr>
+        <p:txBody>
+          <a:bodyPr wrap="square" rtlCol="0">
+            <a:spAutoFit/>
+          </a:bodyPr>
+          <a:lstStyle/>
+          <a:p>
+            <a:r>
+              <a:rPr lang="en-US" sz="2800" b="1"/>
+              <a:t>C</a:t>
+            </a:r>
+            <a:endParaRPr lang="en-IN" sz="2800" b="1"/>
+          </a:p>
+        </p:txBody>
+      </p:sp>
+      <p:sp>
+        <p:nvSpPr>
+          <p:cNvPr id="38" name="TextBox 37">
+            <a:extLst>
+              <a:ext uri="{FF2B5EF4-FFF2-40B4-BE49-F238E27FC236}">
+                <a16:creationId xmlns:a16="http://schemas.microsoft.com/office/drawing/2014/main" id="{8B731EA9-3DEC-48C6-83AC-CB616FA72A2B}"/>
+              </a:ext>
+            </a:extLst>
+          </p:cNvPr>
+          <p:cNvSpPr txBox="1"/>
+          <p:nvPr/>
+        </p:nvSpPr>
+        <p:spPr>
+          <a:xfrm>
+            <a:off x="4141745" y="1798639"/>
+            <a:ext cx="376465" cy="523220"/>
+          </a:xfrm>
+          <a:prstGeom prst="rect">
+            <a:avLst/>
+          </a:prstGeom>
+          <a:noFill/>
+        </p:spPr>
+        <p:txBody>
+          <a:bodyPr wrap="square" rtlCol="0">
+            <a:spAutoFit/>
+          </a:bodyPr>
+          <a:lstStyle/>
+          <a:p>
+            <a:r>
+              <a:rPr lang="en-US" sz="2800" b="1"/>
+              <a:t>E</a:t>
+            </a:r>
+            <a:endParaRPr lang="en-IN" sz="2800" b="1"/>
+          </a:p>
+        </p:txBody>
+      </p:sp>
+      <p:sp>
+        <p:nvSpPr>
+          <p:cNvPr id="39" name="TextBox 38">
+            <a:extLst>
+              <a:ext uri="{FF2B5EF4-FFF2-40B4-BE49-F238E27FC236}">
+                <a16:creationId xmlns:a16="http://schemas.microsoft.com/office/drawing/2014/main" id="{80773DE8-DB2D-47F1-891A-FD78792B9087}"/>
+              </a:ext>
+            </a:extLst>
+          </p:cNvPr>
+          <p:cNvSpPr txBox="1"/>
+          <p:nvPr/>
+        </p:nvSpPr>
+        <p:spPr>
+          <a:xfrm>
+            <a:off x="5325061" y="1798639"/>
+            <a:ext cx="376465" cy="523220"/>
+          </a:xfrm>
+          <a:prstGeom prst="rect">
+            <a:avLst/>
+          </a:prstGeom>
+          <a:noFill/>
+        </p:spPr>
+        <p:txBody>
+          <a:bodyPr wrap="square" rtlCol="0">
+            <a:spAutoFit/>
+          </a:bodyPr>
+          <a:lstStyle/>
+          <a:p>
+            <a:r>
+              <a:rPr lang="en-US" sz="2800" b="1"/>
+              <a:t>G</a:t>
+            </a:r>
+            <a:endParaRPr lang="en-IN" sz="2800" b="1"/>
+          </a:p>
+        </p:txBody>
+      </p:sp>
+      <p:sp>
+        <p:nvSpPr>
+          <p:cNvPr id="40" name="TextBox 39">
+            <a:extLst>
+              <a:ext uri="{FF2B5EF4-FFF2-40B4-BE49-F238E27FC236}">
+                <a16:creationId xmlns:a16="http://schemas.microsoft.com/office/drawing/2014/main" id="{10CE71A1-5721-4965-8AEC-4F6B7F612F2C}"/>
+              </a:ext>
+            </a:extLst>
+          </p:cNvPr>
+          <p:cNvSpPr txBox="1"/>
+          <p:nvPr/>
+        </p:nvSpPr>
+        <p:spPr>
+          <a:xfrm>
+            <a:off x="3146692" y="4200059"/>
+            <a:ext cx="376465" cy="523220"/>
+          </a:xfrm>
+          <a:prstGeom prst="rect">
+            <a:avLst/>
+          </a:prstGeom>
+          <a:noFill/>
+        </p:spPr>
+        <p:txBody>
+          <a:bodyPr wrap="square" rtlCol="0">
+            <a:spAutoFit/>
+          </a:bodyPr>
+          <a:lstStyle/>
+          <a:p>
+            <a:r>
+              <a:rPr lang="en-US" sz="2800" b="1"/>
+              <a:t>D</a:t>
+            </a:r>
+            <a:endParaRPr lang="en-IN" sz="2800" b="1"/>
+          </a:p>
+        </p:txBody>
+      </p:sp>
+      <p:sp>
+        <p:nvSpPr>
+          <p:cNvPr id="41" name="TextBox 40">
+            <a:extLst>
+              <a:ext uri="{FF2B5EF4-FFF2-40B4-BE49-F238E27FC236}">
+                <a16:creationId xmlns:a16="http://schemas.microsoft.com/office/drawing/2014/main" id="{E678AFE9-C461-42AE-95FD-511BB2A1F10B}"/>
+              </a:ext>
+            </a:extLst>
+          </p:cNvPr>
+          <p:cNvSpPr txBox="1"/>
+          <p:nvPr/>
+        </p:nvSpPr>
+        <p:spPr>
+          <a:xfrm>
+            <a:off x="4325956" y="4164266"/>
+            <a:ext cx="376465" cy="523220"/>
+          </a:xfrm>
+          <a:prstGeom prst="rect">
+            <a:avLst/>
+          </a:prstGeom>
+          <a:noFill/>
+        </p:spPr>
+        <p:txBody>
+          <a:bodyPr wrap="square" rtlCol="0">
+            <a:spAutoFit/>
+          </a:bodyPr>
+          <a:lstStyle/>
+          <a:p>
+            <a:r>
+              <a:rPr lang="en-US" sz="2800" b="1"/>
+              <a:t>F</a:t>
+            </a:r>
+            <a:endParaRPr lang="en-IN" sz="2800" b="1"/>
+          </a:p>
+        </p:txBody>
+      </p:sp>
+      <p:sp>
+        <p:nvSpPr>
+          <p:cNvPr id="42" name="TextBox 41">
+            <a:extLst>
+              <a:ext uri="{FF2B5EF4-FFF2-40B4-BE49-F238E27FC236}">
+                <a16:creationId xmlns:a16="http://schemas.microsoft.com/office/drawing/2014/main" id="{776EABFF-6C44-4948-9B85-2345BD9C5A99}"/>
+              </a:ext>
+            </a:extLst>
+          </p:cNvPr>
+          <p:cNvSpPr txBox="1"/>
+          <p:nvPr/>
+        </p:nvSpPr>
+        <p:spPr>
+          <a:xfrm>
+            <a:off x="5335791" y="4182436"/>
+            <a:ext cx="376465" cy="523220"/>
+          </a:xfrm>
+          <a:prstGeom prst="rect">
+            <a:avLst/>
+          </a:prstGeom>
+          <a:noFill/>
+        </p:spPr>
+        <p:txBody>
+          <a:bodyPr wrap="square" rtlCol="0">
+            <a:spAutoFit/>
+          </a:bodyPr>
+          <a:lstStyle/>
+          <a:p>
+            <a:r>
+              <a:rPr lang="en-US" sz="2800" b="1"/>
+              <a:t>H</a:t>
+            </a:r>
+            <a:endParaRPr lang="en-IN" sz="2800" b="1"/>
+          </a:p>
+        </p:txBody>
+      </p:sp>
+      <p:sp>
+        <p:nvSpPr>
+          <p:cNvPr id="43" name="TextBox 42">
+            <a:extLst>
+              <a:ext uri="{FF2B5EF4-FFF2-40B4-BE49-F238E27FC236}">
+                <a16:creationId xmlns:a16="http://schemas.microsoft.com/office/drawing/2014/main" id="{56829ABE-F892-42DC-84F5-657C634705DD}"/>
+              </a:ext>
+            </a:extLst>
+          </p:cNvPr>
+          <p:cNvSpPr txBox="1"/>
+          <p:nvPr/>
+        </p:nvSpPr>
+        <p:spPr>
+          <a:xfrm>
+            <a:off x="6479746" y="3848642"/>
+            <a:ext cx="376465" cy="523220"/>
+          </a:xfrm>
+          <a:prstGeom prst="rect">
+            <a:avLst/>
+          </a:prstGeom>
+          <a:noFill/>
+        </p:spPr>
+        <p:txBody>
+          <a:bodyPr wrap="square" rtlCol="0">
+            <a:spAutoFit/>
+          </a:bodyPr>
+          <a:lstStyle/>
+          <a:p>
+            <a:r>
+              <a:rPr lang="en-US" sz="2800" b="1"/>
+              <a:t>B</a:t>
+            </a:r>
+            <a:endParaRPr lang="en-IN" sz="2800" b="1"/>
+          </a:p>
+        </p:txBody>
+      </p:sp>
+      <p:cxnSp>
+        <p:nvCxnSpPr>
+          <p:cNvPr id="45" name="Straight Arrow Connector 44">
+            <a:extLst>
+              <a:ext uri="{FF2B5EF4-FFF2-40B4-BE49-F238E27FC236}">
+                <a16:creationId xmlns:a16="http://schemas.microsoft.com/office/drawing/2014/main" id="{179DABF7-99D3-4035-B7B8-C9F37B0F9B10}"/>
+              </a:ext>
+            </a:extLst>
+          </p:cNvPr>
+          <p:cNvCxnSpPr>
+            <a:cxnSpLocks/>
+            <a:endCxn id="37" idx="2"/>
+          </p:cNvCxnSpPr>
+          <p:nvPr/>
+        </p:nvCxnSpPr>
+        <p:spPr>
+          <a:xfrm>
+            <a:off x="2552897" y="2347408"/>
+            <a:ext cx="739025" cy="5733"/>
+          </a:xfrm>
+          <a:prstGeom prst="straightConnector1">
+            <a:avLst/>
+          </a:prstGeom>
+          <a:ln w="57150">
+            <a:tailEnd type="triangle"/>
+          </a:ln>
+        </p:spPr>
+        <p:style>
+          <a:lnRef idx="1">
+            <a:schemeClr val="dk1"/>
+          </a:lnRef>
+          <a:fillRef idx="0">
+            <a:schemeClr val="dk1"/>
+          </a:fillRef>
+          <a:effectRef idx="0">
+            <a:schemeClr val="dk1"/>
+          </a:effectRef>
+          <a:fontRef idx="minor">
+            <a:schemeClr val="tx1"/>
+          </a:fontRef>
+        </p:style>
+      </p:cxnSp>
+      <p:cxnSp>
+        <p:nvCxnSpPr>
+          <p:cNvPr id="47" name="Straight Arrow Connector 46">
+            <a:extLst>
+              <a:ext uri="{FF2B5EF4-FFF2-40B4-BE49-F238E27FC236}">
+                <a16:creationId xmlns:a16="http://schemas.microsoft.com/office/drawing/2014/main" id="{E37083C6-01C9-4151-9E28-7C398E9AB311}"/>
+              </a:ext>
+            </a:extLst>
+          </p:cNvPr>
+          <p:cNvCxnSpPr>
+            <a:cxnSpLocks/>
+          </p:cNvCxnSpPr>
+          <p:nvPr/>
+        </p:nvCxnSpPr>
+        <p:spPr>
+          <a:xfrm>
+            <a:off x="4312023" y="4249511"/>
+            <a:ext cx="0" cy="542637"/>
+          </a:xfrm>
+          <a:prstGeom prst="straightConnector1">
+            <a:avLst/>
+          </a:prstGeom>
+          <a:ln w="57150">
+            <a:tailEnd type="triangle"/>
+          </a:ln>
+        </p:spPr>
+        <p:style>
+          <a:lnRef idx="1">
+            <a:schemeClr val="dk1"/>
+          </a:lnRef>
+          <a:fillRef idx="0">
+            <a:schemeClr val="dk1"/>
+          </a:fillRef>
+          <a:effectRef idx="0">
+            <a:schemeClr val="dk1"/>
+          </a:effectRef>
+          <a:fontRef idx="minor">
+            <a:schemeClr val="tx1"/>
+          </a:fontRef>
+        </p:style>
+      </p:cxnSp>
+      <p:sp>
+        <p:nvSpPr>
+          <p:cNvPr id="50" name="TextBox 49">
+            <a:extLst>
+              <a:ext uri="{FF2B5EF4-FFF2-40B4-BE49-F238E27FC236}">
+                <a16:creationId xmlns:a16="http://schemas.microsoft.com/office/drawing/2014/main" id="{0DFA256B-3296-4CF5-8F69-B640457E7517}"/>
+              </a:ext>
+            </a:extLst>
+          </p:cNvPr>
+          <p:cNvSpPr txBox="1"/>
+          <p:nvPr/>
+        </p:nvSpPr>
+        <p:spPr>
+          <a:xfrm>
+            <a:off x="1444728" y="2060249"/>
+            <a:ext cx="1258359" cy="523220"/>
+          </a:xfrm>
+          <a:prstGeom prst="rect">
+            <a:avLst/>
+          </a:prstGeom>
+          <a:noFill/>
+        </p:spPr>
+        <p:txBody>
+          <a:bodyPr wrap="square" rtlCol="0">
+            <a:spAutoFit/>
+          </a:bodyPr>
+          <a:lstStyle/>
+          <a:p>
+            <a:pPr algn="ctr"/>
+            <a:r>
+              <a:rPr lang="en-US" sz="2800" b="1"/>
+              <a:t>200 N</a:t>
+            </a:r>
+            <a:endParaRPr lang="en-IN" sz="2800" b="1"/>
+          </a:p>
+        </p:txBody>
+      </p:sp>
+      <p:sp>
+        <p:nvSpPr>
+          <p:cNvPr id="51" name="TextBox 50">
+            <a:extLst>
+              <a:ext uri="{FF2B5EF4-FFF2-40B4-BE49-F238E27FC236}">
+                <a16:creationId xmlns:a16="http://schemas.microsoft.com/office/drawing/2014/main" id="{ACC8F6A2-A745-4139-8AA3-64DD07EA9486}"/>
+              </a:ext>
+            </a:extLst>
+          </p:cNvPr>
+          <p:cNvSpPr txBox="1"/>
+          <p:nvPr/>
+        </p:nvSpPr>
+        <p:spPr>
+          <a:xfrm>
+            <a:off x="3739429" y="4705656"/>
+            <a:ext cx="1258359" cy="523220"/>
+          </a:xfrm>
+          <a:prstGeom prst="rect">
+            <a:avLst/>
+          </a:prstGeom>
+          <a:noFill/>
+        </p:spPr>
+        <p:txBody>
+          <a:bodyPr wrap="square" rtlCol="0">
+            <a:spAutoFit/>
+          </a:bodyPr>
+          <a:lstStyle/>
+          <a:p>
+            <a:pPr algn="ctr"/>
+            <a:r>
+              <a:rPr lang="en-US" sz="2800" b="1"/>
+              <a:t>500 N</a:t>
+            </a:r>
+            <a:endParaRPr lang="en-IN" sz="2800" b="1"/>
+          </a:p>
+        </p:txBody>
+      </p:sp>
+      <p:sp>
+        <p:nvSpPr>
+          <p:cNvPr id="52" name="Arrow: Notched Right 51">
+            <a:extLst>
+              <a:ext uri="{FF2B5EF4-FFF2-40B4-BE49-F238E27FC236}">
+                <a16:creationId xmlns:a16="http://schemas.microsoft.com/office/drawing/2014/main" id="{BDD34170-A75D-4CF0-B15D-59D910629875}"/>
+              </a:ext>
+            </a:extLst>
+          </p:cNvPr>
+          <p:cNvSpPr/>
+          <p:nvPr/>
+        </p:nvSpPr>
+        <p:spPr>
+          <a:xfrm rot="16200000">
+            <a:off x="3007029" y="3375806"/>
+            <a:ext cx="631837" cy="328096"/>
+          </a:xfrm>
+          <a:prstGeom prst="notchedRightArrow">
+            <a:avLst/>
+          </a:prstGeom>
+        </p:spPr>
+        <p:style>
+          <a:lnRef idx="2">
+            <a:schemeClr val="accent1">
+              <a:shade val="50000"/>
+            </a:schemeClr>
+          </a:lnRef>
+          <a:fillRef idx="1">
+            <a:schemeClr val="accent1"/>
+          </a:fillRef>
+          <a:effectRef idx="0">
+            <a:schemeClr val="accent1"/>
+          </a:effectRef>
+          <a:fontRef idx="minor">
+            <a:schemeClr val="lt1"/>
+          </a:fontRef>
+        </p:style>
+        <p:txBody>
+          <a:bodyPr rtlCol="0" anchor="ctr"/>
+          <a:lstStyle/>
+          <a:p>
+            <a:pPr algn="ctr"/>
+            <a:endParaRPr lang="en-IN"/>
+          </a:p>
+        </p:txBody>
+      </p:sp>
+      <p:sp>
+        <p:nvSpPr>
+          <p:cNvPr id="53" name="Arrow: Notched Right 52">
+            <a:extLst>
+              <a:ext uri="{FF2B5EF4-FFF2-40B4-BE49-F238E27FC236}">
+                <a16:creationId xmlns:a16="http://schemas.microsoft.com/office/drawing/2014/main" id="{5E762F3C-B07A-42F8-AFC7-208FD6C822E5}"/>
+              </a:ext>
+            </a:extLst>
+          </p:cNvPr>
+          <p:cNvSpPr/>
+          <p:nvPr/>
+        </p:nvSpPr>
+        <p:spPr>
+          <a:xfrm>
+            <a:off x="3473970" y="4072377"/>
+            <a:ext cx="631837" cy="328096"/>
+          </a:xfrm>
+          <a:prstGeom prst="notchedRightArrow">
+            <a:avLst/>
+          </a:prstGeom>
+        </p:spPr>
+        <p:style>
+          <a:lnRef idx="2">
+            <a:schemeClr val="accent1">
+              <a:shade val="50000"/>
+            </a:schemeClr>
+          </a:lnRef>
+          <a:fillRef idx="1">
+            <a:schemeClr val="accent1"/>
+          </a:fillRef>
+          <a:effectRef idx="0">
+            <a:schemeClr val="accent1"/>
+          </a:effectRef>
+          <a:fontRef idx="minor">
+            <a:schemeClr val="lt1"/>
+          </a:fontRef>
+        </p:style>
+        <p:txBody>
+          <a:bodyPr rtlCol="0" anchor="ctr"/>
+          <a:lstStyle/>
+          <a:p>
+            <a:pPr algn="ctr"/>
+            <a:endParaRPr lang="en-IN"/>
+          </a:p>
+        </p:txBody>
+      </p:sp>
+      <p:sp>
+        <p:nvSpPr>
+          <p:cNvPr id="54" name="Arrow: Notched Right 53">
+            <a:extLst>
+              <a:ext uri="{FF2B5EF4-FFF2-40B4-BE49-F238E27FC236}">
+                <a16:creationId xmlns:a16="http://schemas.microsoft.com/office/drawing/2014/main" id="{BE9EC4FD-BE32-4D61-90F7-4A09629ECC6B}"/>
+              </a:ext>
+            </a:extLst>
+          </p:cNvPr>
+          <p:cNvSpPr/>
+          <p:nvPr/>
+        </p:nvSpPr>
+        <p:spPr>
+          <a:xfrm rot="10800000">
+            <a:off x="2482939" y="4071775"/>
+            <a:ext cx="631837" cy="328096"/>
+          </a:xfrm>
+          <a:prstGeom prst="notchedRightArrow">
+            <a:avLst/>
+          </a:prstGeom>
+        </p:spPr>
+        <p:style>
+          <a:lnRef idx="2">
+            <a:schemeClr val="accent1">
+              <a:shade val="50000"/>
+            </a:schemeClr>
+          </a:lnRef>
+          <a:fillRef idx="1">
+            <a:schemeClr val="accent1"/>
+          </a:fillRef>
+          <a:effectRef idx="0">
+            <a:schemeClr val="accent1"/>
+          </a:effectRef>
+          <a:fontRef idx="minor">
+            <a:schemeClr val="lt1"/>
+          </a:fontRef>
+        </p:style>
+        <p:txBody>
+          <a:bodyPr rtlCol="0" anchor="ctr"/>
+          <a:lstStyle/>
+          <a:p>
+            <a:pPr algn="ctr"/>
+            <a:endParaRPr lang="en-IN"/>
+          </a:p>
+        </p:txBody>
+      </p:sp>
+      <p:sp>
+        <p:nvSpPr>
+          <p:cNvPr id="55" name="TextBox 54">
+            <a:extLst>
+              <a:ext uri="{FF2B5EF4-FFF2-40B4-BE49-F238E27FC236}">
+                <a16:creationId xmlns:a16="http://schemas.microsoft.com/office/drawing/2014/main" id="{0B642CED-C9C1-4975-96D5-118760745A81}"/>
+              </a:ext>
+            </a:extLst>
+          </p:cNvPr>
+          <p:cNvSpPr txBox="1"/>
+          <p:nvPr/>
+        </p:nvSpPr>
+        <p:spPr>
+          <a:xfrm>
+            <a:off x="2485787" y="4367102"/>
+            <a:ext cx="657157" cy="338554"/>
+          </a:xfrm>
+          <a:prstGeom prst="rect">
+            <a:avLst/>
+          </a:prstGeom>
+          <a:noFill/>
+        </p:spPr>
+        <p:txBody>
+          <a:bodyPr wrap="square" rtlCol="0">
+            <a:spAutoFit/>
+          </a:bodyPr>
+          <a:lstStyle/>
+          <a:p>
+            <a:r>
+              <a:rPr lang="en-US" sz="1600" b="1"/>
+              <a:t>F(ad)</a:t>
+            </a:r>
+            <a:endParaRPr lang="en-IN" sz="1600" b="1"/>
+          </a:p>
+        </p:txBody>
+      </p:sp>
+      <p:sp>
+        <p:nvSpPr>
+          <p:cNvPr id="56" name="TextBox 55">
+            <a:extLst>
+              <a:ext uri="{FF2B5EF4-FFF2-40B4-BE49-F238E27FC236}">
+                <a16:creationId xmlns:a16="http://schemas.microsoft.com/office/drawing/2014/main" id="{47FB702B-6394-41B7-9039-5F655CF3CC46}"/>
+              </a:ext>
+            </a:extLst>
+          </p:cNvPr>
+          <p:cNvSpPr txBox="1"/>
+          <p:nvPr/>
+        </p:nvSpPr>
+        <p:spPr>
+          <a:xfrm>
+            <a:off x="2690765" y="3391831"/>
+            <a:ext cx="657157" cy="338554"/>
+          </a:xfrm>
+          <a:prstGeom prst="rect">
+            <a:avLst/>
+          </a:prstGeom>
+          <a:noFill/>
+        </p:spPr>
+        <p:txBody>
+          <a:bodyPr wrap="square" rtlCol="0">
+            <a:spAutoFit/>
+          </a:bodyPr>
+          <a:lstStyle/>
+          <a:p>
+            <a:r>
+              <a:rPr lang="en-US" sz="1600" b="1"/>
+              <a:t>F(dc)</a:t>
+            </a:r>
+            <a:endParaRPr lang="en-IN" sz="1600" b="1"/>
+          </a:p>
+        </p:txBody>
+      </p:sp>
+      <p:sp>
+        <p:nvSpPr>
+          <p:cNvPr id="57" name="TextBox 56">
+            <a:extLst>
+              <a:ext uri="{FF2B5EF4-FFF2-40B4-BE49-F238E27FC236}">
+                <a16:creationId xmlns:a16="http://schemas.microsoft.com/office/drawing/2014/main" id="{DBB72C17-2029-4120-B65A-718A0AC98426}"/>
+              </a:ext>
+            </a:extLst>
+          </p:cNvPr>
+          <p:cNvSpPr txBox="1"/>
+          <p:nvPr/>
+        </p:nvSpPr>
+        <p:spPr>
+          <a:xfrm>
+            <a:off x="3506914" y="4373587"/>
+            <a:ext cx="657157" cy="338554"/>
+          </a:xfrm>
+          <a:prstGeom prst="rect">
+            <a:avLst/>
+          </a:prstGeom>
+          <a:noFill/>
+        </p:spPr>
+        <p:txBody>
+          <a:bodyPr wrap="square" rtlCol="0">
+            <a:spAutoFit/>
+          </a:bodyPr>
+          <a:lstStyle/>
+          <a:p>
+            <a:r>
+              <a:rPr lang="en-US" sz="1600" b="1"/>
+              <a:t>F(df)</a:t>
+            </a:r>
+            <a:endParaRPr lang="en-IN" sz="1600" b="1"/>
+          </a:p>
+        </p:txBody>
+      </p:sp>
+      <p:cxnSp>
+        <p:nvCxnSpPr>
+          <p:cNvPr id="59" name="Straight Connector 58">
+            <a:extLst>
+              <a:ext uri="{FF2B5EF4-FFF2-40B4-BE49-F238E27FC236}">
+                <a16:creationId xmlns:a16="http://schemas.microsoft.com/office/drawing/2014/main" id="{2E56E151-F053-4CBC-9C59-D7343AA49FF0}"/>
+              </a:ext>
+            </a:extLst>
+          </p:cNvPr>
+          <p:cNvCxnSpPr/>
+          <p:nvPr/>
+        </p:nvCxnSpPr>
+        <p:spPr>
+          <a:xfrm>
+            <a:off x="7853680" y="2321859"/>
+            <a:ext cx="0" cy="1927652"/>
+          </a:xfrm>
+          <a:prstGeom prst="line">
+            <a:avLst/>
+          </a:prstGeom>
+          <a:ln w="38100"/>
+        </p:spPr>
+        <p:style>
+          <a:lnRef idx="1">
+            <a:schemeClr val="dk1"/>
+          </a:lnRef>
+          <a:fillRef idx="0">
+            <a:schemeClr val="dk1"/>
+          </a:fillRef>
+          <a:effectRef idx="0">
+            <a:schemeClr val="dk1"/>
+          </a:effectRef>
+          <a:fontRef idx="minor">
+            <a:schemeClr val="tx1"/>
+          </a:fontRef>
+        </p:style>
+      </p:cxnSp>
+      <p:cxnSp>
+        <p:nvCxnSpPr>
+          <p:cNvPr id="61" name="Straight Connector 60">
+            <a:extLst>
+              <a:ext uri="{FF2B5EF4-FFF2-40B4-BE49-F238E27FC236}">
+                <a16:creationId xmlns:a16="http://schemas.microsoft.com/office/drawing/2014/main" id="{7F839A14-AD3F-43CE-99B5-599170B26F0C}"/>
+              </a:ext>
+            </a:extLst>
+          </p:cNvPr>
+          <p:cNvCxnSpPr>
+            <a:cxnSpLocks/>
+          </p:cNvCxnSpPr>
+          <p:nvPr/>
+        </p:nvCxnSpPr>
+        <p:spPr>
+          <a:xfrm>
+            <a:off x="7853679" y="2321858"/>
+            <a:ext cx="2599117" cy="1927653"/>
+          </a:xfrm>
+          <a:prstGeom prst="line">
+            <a:avLst/>
+          </a:prstGeom>
+          <a:ln w="38100"/>
+        </p:spPr>
+        <p:style>
+          <a:lnRef idx="1">
+            <a:schemeClr val="dk1"/>
+          </a:lnRef>
+          <a:fillRef idx="0">
+            <a:schemeClr val="dk1"/>
+          </a:fillRef>
+          <a:effectRef idx="0">
+            <a:schemeClr val="dk1"/>
+          </a:effectRef>
+          <a:fontRef idx="minor">
+            <a:schemeClr val="tx1"/>
+          </a:fontRef>
+        </p:style>
+      </p:cxnSp>
+      <p:cxnSp>
+        <p:nvCxnSpPr>
+          <p:cNvPr id="63" name="Straight Connector 62">
+            <a:extLst>
+              <a:ext uri="{FF2B5EF4-FFF2-40B4-BE49-F238E27FC236}">
+                <a16:creationId xmlns:a16="http://schemas.microsoft.com/office/drawing/2014/main" id="{8C3D287A-E142-4B09-ACB9-7741E2420324}"/>
+              </a:ext>
+            </a:extLst>
+          </p:cNvPr>
+          <p:cNvCxnSpPr/>
+          <p:nvPr/>
+        </p:nvCxnSpPr>
+        <p:spPr>
+          <a:xfrm>
+            <a:off x="7853680" y="4249511"/>
+            <a:ext cx="2599116" cy="0"/>
+          </a:xfrm>
+          <a:prstGeom prst="line">
+            <a:avLst/>
+          </a:prstGeom>
+          <a:ln w="38100"/>
+        </p:spPr>
+        <p:style>
+          <a:lnRef idx="1">
+            <a:schemeClr val="dk1"/>
+          </a:lnRef>
+          <a:fillRef idx="0">
+            <a:schemeClr val="dk1"/>
+          </a:fillRef>
+          <a:effectRef idx="0">
+            <a:schemeClr val="dk1"/>
+          </a:effectRef>
+          <a:fontRef idx="minor">
+            <a:schemeClr val="tx1"/>
+          </a:fontRef>
+        </p:style>
+      </p:cxnSp>
+      <p:cxnSp>
+        <p:nvCxnSpPr>
+          <p:cNvPr id="67" name="Straight Connector 66">
+            <a:extLst>
+              <a:ext uri="{FF2B5EF4-FFF2-40B4-BE49-F238E27FC236}">
+                <a16:creationId xmlns:a16="http://schemas.microsoft.com/office/drawing/2014/main" id="{5FB990BE-8D49-49F3-B3CD-96165CB084C2}"/>
+              </a:ext>
+            </a:extLst>
+          </p:cNvPr>
+          <p:cNvCxnSpPr/>
+          <p:nvPr/>
+        </p:nvCxnSpPr>
+        <p:spPr>
+          <a:xfrm flipV="1">
+            <a:off x="7853679" y="3285564"/>
+            <a:ext cx="1299558" cy="954741"/>
+          </a:xfrm>
+          <a:prstGeom prst="line">
+            <a:avLst/>
+          </a:prstGeom>
+          <a:ln w="57150">
+            <a:prstDash val="sysDot"/>
+          </a:ln>
+        </p:spPr>
+        <p:style>
+          <a:lnRef idx="1">
+            <a:schemeClr val="accent6"/>
+          </a:lnRef>
+          <a:fillRef idx="0">
+            <a:schemeClr val="accent6"/>
+          </a:fillRef>
+          <a:effectRef idx="0">
+            <a:schemeClr val="accent6"/>
+          </a:effectRef>
+          <a:fontRef idx="minor">
+            <a:schemeClr val="tx1"/>
+          </a:fontRef>
+        </p:style>
+      </p:cxnSp>
+      <p:cxnSp>
+        <p:nvCxnSpPr>
+          <p:cNvPr id="69" name="Straight Connector 68">
+            <a:extLst>
+              <a:ext uri="{FF2B5EF4-FFF2-40B4-BE49-F238E27FC236}">
+                <a16:creationId xmlns:a16="http://schemas.microsoft.com/office/drawing/2014/main" id="{97E5A5CC-1000-474A-AD80-4B84B2EE677E}"/>
+              </a:ext>
+            </a:extLst>
+          </p:cNvPr>
+          <p:cNvCxnSpPr>
+            <a:cxnSpLocks/>
+          </p:cNvCxnSpPr>
+          <p:nvPr/>
+        </p:nvCxnSpPr>
+        <p:spPr>
+          <a:xfrm>
+            <a:off x="9153237" y="3285564"/>
+            <a:ext cx="0" cy="954741"/>
+          </a:xfrm>
+          <a:prstGeom prst="line">
+            <a:avLst/>
+          </a:prstGeom>
+          <a:ln w="57150">
+            <a:prstDash val="sysDot"/>
+          </a:ln>
+        </p:spPr>
+        <p:style>
+          <a:lnRef idx="1">
+            <a:schemeClr val="accent6"/>
+          </a:lnRef>
+          <a:fillRef idx="0">
+            <a:schemeClr val="accent6"/>
+          </a:fillRef>
+          <a:effectRef idx="0">
+            <a:schemeClr val="accent6"/>
+          </a:effectRef>
+          <a:fontRef idx="minor">
+            <a:schemeClr val="tx1"/>
+          </a:fontRef>
+        </p:style>
+      </p:cxnSp>
+      <p:cxnSp>
+        <p:nvCxnSpPr>
+          <p:cNvPr id="71" name="Straight Arrow Connector 70">
+            <a:extLst>
+              <a:ext uri="{FF2B5EF4-FFF2-40B4-BE49-F238E27FC236}">
+                <a16:creationId xmlns:a16="http://schemas.microsoft.com/office/drawing/2014/main" id="{A51453EE-0FC3-41B3-BC05-A6B890312F9A}"/>
+              </a:ext>
+            </a:extLst>
+          </p:cNvPr>
+          <p:cNvCxnSpPr>
+            <a:cxnSpLocks/>
+          </p:cNvCxnSpPr>
+          <p:nvPr/>
+        </p:nvCxnSpPr>
+        <p:spPr>
+          <a:xfrm>
+            <a:off x="10445176" y="4243235"/>
+            <a:ext cx="0" cy="542637"/>
+          </a:xfrm>
+          <a:prstGeom prst="straightConnector1">
+            <a:avLst/>
+          </a:prstGeom>
+          <a:ln w="57150">
+            <a:tailEnd type="triangle"/>
+          </a:ln>
+        </p:spPr>
+        <p:style>
+          <a:lnRef idx="1">
+            <a:schemeClr val="dk1"/>
+          </a:lnRef>
+          <a:fillRef idx="0">
+            <a:schemeClr val="dk1"/>
+          </a:fillRef>
+          <a:effectRef idx="0">
+            <a:schemeClr val="dk1"/>
+          </a:effectRef>
+          <a:fontRef idx="minor">
+            <a:schemeClr val="tx1"/>
+          </a:fontRef>
+        </p:style>
+      </p:cxnSp>
+      <p:sp>
+        <p:nvSpPr>
+          <p:cNvPr id="72" name="Rectangle 71">
+            <a:extLst>
+              <a:ext uri="{FF2B5EF4-FFF2-40B4-BE49-F238E27FC236}">
+                <a16:creationId xmlns:a16="http://schemas.microsoft.com/office/drawing/2014/main" id="{0108AB9E-1747-4425-8930-EB6C56A41D0F}"/>
+              </a:ext>
+            </a:extLst>
+          </p:cNvPr>
+          <p:cNvSpPr/>
+          <p:nvPr/>
+        </p:nvSpPr>
+        <p:spPr>
+          <a:xfrm>
+            <a:off x="7513320" y="2330824"/>
+            <a:ext cx="347977" cy="1927652"/>
+          </a:xfrm>
+          <a:prstGeom prst="rect">
+            <a:avLst/>
+          </a:prstGeom>
+          <a:pattFill prst="horzBrick">
+            <a:fgClr>
+              <a:schemeClr val="accent1"/>
+            </a:fgClr>
+            <a:bgClr>
+              <a:schemeClr val="bg1"/>
+            </a:bgClr>
+          </a:pattFill>
+        </p:spPr>
+        <p:style>
+          <a:lnRef idx="2">
+            <a:schemeClr val="accent1">
+              <a:shade val="50000"/>
+            </a:schemeClr>
+          </a:lnRef>
+          <a:fillRef idx="1">
+            <a:schemeClr val="accent1"/>
+          </a:fillRef>
+          <a:effectRef idx="0">
+            <a:schemeClr val="accent1"/>
+          </a:effectRef>
+          <a:fontRef idx="minor">
+            <a:schemeClr val="lt1"/>
+          </a:fontRef>
+        </p:style>
+        <p:txBody>
+          <a:bodyPr rtlCol="0" anchor="ctr"/>
+          <a:lstStyle/>
+          <a:p>
+            <a:pPr algn="ctr"/>
+            <a:endParaRPr lang="en-IN"/>
+          </a:p>
+        </p:txBody>
+      </p:sp>
+      <p:sp>
+        <p:nvSpPr>
+          <p:cNvPr id="73" name="TextBox 72">
+            <a:extLst>
+              <a:ext uri="{FF2B5EF4-FFF2-40B4-BE49-F238E27FC236}">
+                <a16:creationId xmlns:a16="http://schemas.microsoft.com/office/drawing/2014/main" id="{82F9B2D2-BB94-4301-A58F-B9EF2DE0D289}"/>
+              </a:ext>
+            </a:extLst>
+          </p:cNvPr>
+          <p:cNvSpPr txBox="1"/>
+          <p:nvPr/>
+        </p:nvSpPr>
+        <p:spPr>
+          <a:xfrm>
+            <a:off x="7690424" y="4161062"/>
+            <a:ext cx="376465" cy="523220"/>
+          </a:xfrm>
+          <a:prstGeom prst="rect">
+            <a:avLst/>
+          </a:prstGeom>
+          <a:noFill/>
+        </p:spPr>
+        <p:txBody>
+          <a:bodyPr wrap="square" rtlCol="0">
+            <a:spAutoFit/>
+          </a:bodyPr>
+          <a:lstStyle/>
+          <a:p>
+            <a:r>
+              <a:rPr lang="en-US" sz="2800" b="1"/>
+              <a:t>A</a:t>
+            </a:r>
+            <a:endParaRPr lang="en-IN" sz="2800" b="1"/>
+          </a:p>
+        </p:txBody>
+      </p:sp>
+      <p:sp>
+        <p:nvSpPr>
+          <p:cNvPr id="74" name="TextBox 73">
+            <a:extLst>
+              <a:ext uri="{FF2B5EF4-FFF2-40B4-BE49-F238E27FC236}">
+                <a16:creationId xmlns:a16="http://schemas.microsoft.com/office/drawing/2014/main" id="{4D07DF21-3F90-403B-9940-7F60FACCC3BD}"/>
+              </a:ext>
+            </a:extLst>
+          </p:cNvPr>
+          <p:cNvSpPr txBox="1"/>
+          <p:nvPr/>
+        </p:nvSpPr>
+        <p:spPr>
+          <a:xfrm>
+            <a:off x="7699772" y="1890219"/>
+            <a:ext cx="376465" cy="523220"/>
+          </a:xfrm>
+          <a:prstGeom prst="rect">
+            <a:avLst/>
+          </a:prstGeom>
+          <a:noFill/>
+        </p:spPr>
+        <p:txBody>
+          <a:bodyPr wrap="square" rtlCol="0">
+            <a:spAutoFit/>
+          </a:bodyPr>
+          <a:lstStyle/>
+          <a:p>
+            <a:r>
+              <a:rPr lang="en-US" sz="2800" b="1"/>
+              <a:t>B</a:t>
+            </a:r>
+            <a:endParaRPr lang="en-IN" sz="2800" b="1"/>
+          </a:p>
+        </p:txBody>
+      </p:sp>
+      <p:sp>
+        <p:nvSpPr>
+          <p:cNvPr id="75" name="TextBox 74">
+            <a:extLst>
+              <a:ext uri="{FF2B5EF4-FFF2-40B4-BE49-F238E27FC236}">
+                <a16:creationId xmlns:a16="http://schemas.microsoft.com/office/drawing/2014/main" id="{25CA011B-00FC-4EF4-B876-369A5CD9F91C}"/>
+              </a:ext>
+            </a:extLst>
+          </p:cNvPr>
+          <p:cNvSpPr txBox="1"/>
+          <p:nvPr/>
+        </p:nvSpPr>
+        <p:spPr>
+          <a:xfrm>
+            <a:off x="8966391" y="2757741"/>
+            <a:ext cx="376465" cy="523220"/>
+          </a:xfrm>
+          <a:prstGeom prst="rect">
+            <a:avLst/>
+          </a:prstGeom>
+          <a:noFill/>
+        </p:spPr>
+        <p:txBody>
+          <a:bodyPr wrap="square" rtlCol="0">
+            <a:spAutoFit/>
+          </a:bodyPr>
+          <a:lstStyle/>
+          <a:p>
+            <a:r>
+              <a:rPr lang="en-US" sz="2800" b="1"/>
+              <a:t>C</a:t>
+            </a:r>
+            <a:endParaRPr lang="en-IN" sz="2800" b="1"/>
+          </a:p>
+        </p:txBody>
+      </p:sp>
+      <p:sp>
+        <p:nvSpPr>
+          <p:cNvPr id="76" name="TextBox 75">
+            <a:extLst>
+              <a:ext uri="{FF2B5EF4-FFF2-40B4-BE49-F238E27FC236}">
+                <a16:creationId xmlns:a16="http://schemas.microsoft.com/office/drawing/2014/main" id="{6D4D280E-8DBA-44A0-8D27-97CEB369F7D5}"/>
+              </a:ext>
+            </a:extLst>
+          </p:cNvPr>
+          <p:cNvSpPr txBox="1"/>
+          <p:nvPr/>
+        </p:nvSpPr>
+        <p:spPr>
+          <a:xfrm>
+            <a:off x="8984022" y="4182451"/>
+            <a:ext cx="376465" cy="523220"/>
+          </a:xfrm>
+          <a:prstGeom prst="rect">
+            <a:avLst/>
+          </a:prstGeom>
+          <a:noFill/>
+        </p:spPr>
+        <p:txBody>
+          <a:bodyPr wrap="square" rtlCol="0">
+            <a:spAutoFit/>
+          </a:bodyPr>
+          <a:lstStyle/>
+          <a:p>
+            <a:r>
+              <a:rPr lang="en-US" sz="2800" b="1"/>
+              <a:t>D</a:t>
+            </a:r>
+            <a:endParaRPr lang="en-IN" sz="2800" b="1"/>
+          </a:p>
+        </p:txBody>
+      </p:sp>
+      <p:sp>
+        <p:nvSpPr>
+          <p:cNvPr id="77" name="TextBox 76">
+            <a:extLst>
+              <a:ext uri="{FF2B5EF4-FFF2-40B4-BE49-F238E27FC236}">
+                <a16:creationId xmlns:a16="http://schemas.microsoft.com/office/drawing/2014/main" id="{B09CAAD3-598F-4D2B-B886-9F2D4952D76C}"/>
+              </a:ext>
+            </a:extLst>
+          </p:cNvPr>
+          <p:cNvSpPr txBox="1"/>
+          <p:nvPr/>
+        </p:nvSpPr>
+        <p:spPr>
+          <a:xfrm>
+            <a:off x="10454193" y="3960766"/>
+            <a:ext cx="376465" cy="523220"/>
+          </a:xfrm>
+          <a:prstGeom prst="rect">
+            <a:avLst/>
+          </a:prstGeom>
+          <a:noFill/>
+        </p:spPr>
+        <p:txBody>
+          <a:bodyPr wrap="square" rtlCol="0">
+            <a:spAutoFit/>
+          </a:bodyPr>
+          <a:lstStyle/>
+          <a:p>
+            <a:r>
+              <a:rPr lang="en-US" sz="2800" b="1"/>
+              <a:t>E</a:t>
+            </a:r>
+            <a:endParaRPr lang="en-IN" sz="2800" b="1"/>
+          </a:p>
+        </p:txBody>
+      </p:sp>
+      <p:sp>
+        <p:nvSpPr>
+          <p:cNvPr id="78" name="Arrow: Notched Right 77">
+            <a:extLst>
+              <a:ext uri="{FF2B5EF4-FFF2-40B4-BE49-F238E27FC236}">
+                <a16:creationId xmlns:a16="http://schemas.microsoft.com/office/drawing/2014/main" id="{BDF05A6D-27EF-4C97-A468-EB848FB44DE1}"/>
+              </a:ext>
+            </a:extLst>
+          </p:cNvPr>
+          <p:cNvSpPr/>
+          <p:nvPr/>
+        </p:nvSpPr>
+        <p:spPr>
+          <a:xfrm rot="5400000">
+            <a:off x="8839369" y="3661806"/>
+            <a:ext cx="631837" cy="328096"/>
+          </a:xfrm>
+          <a:prstGeom prst="notchedRightArrow">
+            <a:avLst/>
+          </a:prstGeom>
+        </p:spPr>
+        <p:style>
+          <a:lnRef idx="2">
+            <a:schemeClr val="accent1">
+              <a:shade val="50000"/>
+            </a:schemeClr>
+          </a:lnRef>
+          <a:fillRef idx="1">
+            <a:schemeClr val="accent1"/>
+          </a:fillRef>
+          <a:effectRef idx="0">
+            <a:schemeClr val="accent1"/>
+          </a:effectRef>
+          <a:fontRef idx="minor">
+            <a:schemeClr val="lt1"/>
+          </a:fontRef>
+        </p:style>
+        <p:txBody>
+          <a:bodyPr rtlCol="0" anchor="ctr"/>
+          <a:lstStyle/>
+          <a:p>
+            <a:pPr algn="ctr"/>
+            <a:endParaRPr lang="en-IN"/>
+          </a:p>
+        </p:txBody>
+      </p:sp>
+      <p:sp>
+        <p:nvSpPr>
+          <p:cNvPr id="79" name="Arrow: Notched Right 78">
+            <a:extLst>
+              <a:ext uri="{FF2B5EF4-FFF2-40B4-BE49-F238E27FC236}">
+                <a16:creationId xmlns:a16="http://schemas.microsoft.com/office/drawing/2014/main" id="{92D6BB89-FA88-4B94-9A2C-87752612DE6F}"/>
+              </a:ext>
+            </a:extLst>
+          </p:cNvPr>
+          <p:cNvSpPr/>
+          <p:nvPr/>
+        </p:nvSpPr>
+        <p:spPr>
+          <a:xfrm rot="8654953">
+            <a:off x="8243980" y="3566026"/>
+            <a:ext cx="631837" cy="328096"/>
+          </a:xfrm>
+          <a:prstGeom prst="notchedRightArrow">
+            <a:avLst/>
+          </a:prstGeom>
+        </p:spPr>
+        <p:style>
+          <a:lnRef idx="2">
+            <a:schemeClr val="accent1">
+              <a:shade val="50000"/>
+            </a:schemeClr>
+          </a:lnRef>
+          <a:fillRef idx="1">
+            <a:schemeClr val="accent1"/>
+          </a:fillRef>
+          <a:effectRef idx="0">
+            <a:schemeClr val="accent1"/>
+          </a:effectRef>
+          <a:fontRef idx="minor">
+            <a:schemeClr val="lt1"/>
+          </a:fontRef>
+        </p:style>
+        <p:txBody>
+          <a:bodyPr rtlCol="0" anchor="ctr"/>
+          <a:lstStyle/>
+          <a:p>
+            <a:pPr algn="ctr"/>
+            <a:endParaRPr lang="en-IN"/>
+          </a:p>
+        </p:txBody>
+      </p:sp>
+      <p:sp>
+        <p:nvSpPr>
+          <p:cNvPr id="80" name="Arrow: Notched Right 79">
+            <a:extLst>
+              <a:ext uri="{FF2B5EF4-FFF2-40B4-BE49-F238E27FC236}">
+                <a16:creationId xmlns:a16="http://schemas.microsoft.com/office/drawing/2014/main" id="{C3866836-2AEA-47C1-B38D-819DCCBF1A5C}"/>
+              </a:ext>
+            </a:extLst>
+          </p:cNvPr>
+          <p:cNvSpPr/>
+          <p:nvPr/>
+        </p:nvSpPr>
+        <p:spPr>
+          <a:xfrm rot="12960457">
+            <a:off x="8140962" y="2597865"/>
+            <a:ext cx="631837" cy="328096"/>
+          </a:xfrm>
+          <a:prstGeom prst="notchedRightArrow">
+            <a:avLst/>
+          </a:prstGeom>
+        </p:spPr>
+        <p:style>
+          <a:lnRef idx="2">
+            <a:schemeClr val="accent1">
+              <a:shade val="50000"/>
+            </a:schemeClr>
+          </a:lnRef>
+          <a:fillRef idx="1">
+            <a:schemeClr val="accent1"/>
+          </a:fillRef>
+          <a:effectRef idx="0">
+            <a:schemeClr val="accent1"/>
+          </a:effectRef>
+          <a:fontRef idx="minor">
+            <a:schemeClr val="lt1"/>
+          </a:fontRef>
+        </p:style>
+        <p:txBody>
+          <a:bodyPr rtlCol="0" anchor="ctr"/>
+          <a:lstStyle/>
+          <a:p>
+            <a:pPr algn="ctr"/>
+            <a:endParaRPr lang="en-IN"/>
+          </a:p>
+        </p:txBody>
+      </p:sp>
+      <p:sp>
+        <p:nvSpPr>
+          <p:cNvPr id="81" name="Arrow: Notched Right 80">
+            <a:extLst>
+              <a:ext uri="{FF2B5EF4-FFF2-40B4-BE49-F238E27FC236}">
+                <a16:creationId xmlns:a16="http://schemas.microsoft.com/office/drawing/2014/main" id="{10431A36-007C-4697-94D4-251E52CC7594}"/>
+              </a:ext>
+            </a:extLst>
+          </p:cNvPr>
+          <p:cNvSpPr/>
+          <p:nvPr/>
+        </p:nvSpPr>
+        <p:spPr>
+          <a:xfrm rot="2143500">
+            <a:off x="9448711" y="3565951"/>
+            <a:ext cx="631837" cy="328096"/>
+          </a:xfrm>
+          <a:prstGeom prst="notchedRightArrow">
+            <a:avLst/>
+          </a:prstGeom>
+        </p:spPr>
+        <p:style>
+          <a:lnRef idx="2">
+            <a:schemeClr val="accent1">
+              <a:shade val="50000"/>
+            </a:schemeClr>
+          </a:lnRef>
+          <a:fillRef idx="1">
+            <a:schemeClr val="accent1"/>
+          </a:fillRef>
+          <a:effectRef idx="0">
+            <a:schemeClr val="accent1"/>
+          </a:effectRef>
+          <a:fontRef idx="minor">
+            <a:schemeClr val="lt1"/>
+          </a:fontRef>
+        </p:style>
+        <p:txBody>
+          <a:bodyPr rtlCol="0" anchor="ctr"/>
+          <a:lstStyle/>
+          <a:p>
+            <a:pPr algn="ctr"/>
+            <a:endParaRPr lang="en-IN"/>
+          </a:p>
+        </p:txBody>
+      </p:sp>
+      <p:sp>
+        <p:nvSpPr>
+          <p:cNvPr id="82" name="Arrow: Notched Right 81">
+            <a:extLst>
+              <a:ext uri="{FF2B5EF4-FFF2-40B4-BE49-F238E27FC236}">
+                <a16:creationId xmlns:a16="http://schemas.microsoft.com/office/drawing/2014/main" id="{BA60FA97-720E-42A6-A31E-1CF9E7312235}"/>
+              </a:ext>
+            </a:extLst>
+          </p:cNvPr>
+          <p:cNvSpPr/>
+          <p:nvPr/>
+        </p:nvSpPr>
+        <p:spPr>
+          <a:xfrm>
+            <a:off x="8309132" y="4084305"/>
+            <a:ext cx="631837" cy="328096"/>
+          </a:xfrm>
+          <a:prstGeom prst="notchedRightArrow">
+            <a:avLst/>
+          </a:prstGeom>
+        </p:spPr>
+        <p:style>
+          <a:lnRef idx="2">
+            <a:schemeClr val="accent1">
+              <a:shade val="50000"/>
+            </a:schemeClr>
+          </a:lnRef>
+          <a:fillRef idx="1">
+            <a:schemeClr val="accent1"/>
+          </a:fillRef>
+          <a:effectRef idx="0">
+            <a:schemeClr val="accent1"/>
+          </a:effectRef>
+          <a:fontRef idx="minor">
+            <a:schemeClr val="lt1"/>
+          </a:fontRef>
+        </p:style>
+        <p:txBody>
+          <a:bodyPr rtlCol="0" anchor="ctr"/>
+          <a:lstStyle/>
+          <a:p>
+            <a:pPr algn="ctr"/>
+            <a:endParaRPr lang="en-IN"/>
+          </a:p>
+        </p:txBody>
+      </p:sp>
+      <p:sp>
+        <p:nvSpPr>
+          <p:cNvPr id="83" name="Arrow: Notched Right 82">
+            <a:extLst>
+              <a:ext uri="{FF2B5EF4-FFF2-40B4-BE49-F238E27FC236}">
+                <a16:creationId xmlns:a16="http://schemas.microsoft.com/office/drawing/2014/main" id="{CF152F95-BEE4-4E92-8712-6B1073950583}"/>
+              </a:ext>
+            </a:extLst>
+          </p:cNvPr>
+          <p:cNvSpPr/>
+          <p:nvPr/>
+        </p:nvSpPr>
+        <p:spPr>
+          <a:xfrm rot="10800000">
+            <a:off x="9388804" y="4071775"/>
+            <a:ext cx="631837" cy="328096"/>
+          </a:xfrm>
+          <a:prstGeom prst="notchedRightArrow">
+            <a:avLst/>
+          </a:prstGeom>
+        </p:spPr>
+        <p:style>
+          <a:lnRef idx="2">
+            <a:schemeClr val="accent1">
+              <a:shade val="50000"/>
+            </a:schemeClr>
+          </a:lnRef>
+          <a:fillRef idx="1">
+            <a:schemeClr val="accent1"/>
+          </a:fillRef>
+          <a:effectRef idx="0">
+            <a:schemeClr val="accent1"/>
+          </a:effectRef>
+          <a:fontRef idx="minor">
+            <a:schemeClr val="lt1"/>
+          </a:fontRef>
+        </p:style>
+        <p:txBody>
+          <a:bodyPr rtlCol="0" anchor="ctr"/>
+          <a:lstStyle/>
+          <a:p>
+            <a:pPr algn="ctr"/>
+            <a:endParaRPr lang="en-IN"/>
+          </a:p>
+        </p:txBody>
+      </p:sp>
+      <p:sp>
+        <p:nvSpPr>
+          <p:cNvPr id="84" name="TextBox 83">
+            <a:extLst>
+              <a:ext uri="{FF2B5EF4-FFF2-40B4-BE49-F238E27FC236}">
+                <a16:creationId xmlns:a16="http://schemas.microsoft.com/office/drawing/2014/main" id="{26DC08D7-54AB-43CB-A365-4A640DE84D68}"/>
+              </a:ext>
+            </a:extLst>
+          </p:cNvPr>
+          <p:cNvSpPr txBox="1"/>
+          <p:nvPr/>
+        </p:nvSpPr>
+        <p:spPr>
+          <a:xfrm>
+            <a:off x="8481918" y="2431308"/>
+            <a:ext cx="657157" cy="338554"/>
+          </a:xfrm>
+          <a:prstGeom prst="rect">
+            <a:avLst/>
+          </a:prstGeom>
+          <a:noFill/>
+        </p:spPr>
+        <p:txBody>
+          <a:bodyPr wrap="square" rtlCol="0">
+            <a:spAutoFit/>
+          </a:bodyPr>
+          <a:lstStyle/>
+          <a:p>
+            <a:r>
+              <a:rPr lang="en-US" sz="1600" b="1"/>
+              <a:t>F(bc)</a:t>
+            </a:r>
+            <a:endParaRPr lang="en-IN" sz="1600" b="1"/>
+          </a:p>
+        </p:txBody>
+      </p:sp>
+      <p:sp>
+        <p:nvSpPr>
+          <p:cNvPr id="85" name="TextBox 84">
+            <a:extLst>
+              <a:ext uri="{FF2B5EF4-FFF2-40B4-BE49-F238E27FC236}">
+                <a16:creationId xmlns:a16="http://schemas.microsoft.com/office/drawing/2014/main" id="{433911BC-2A1B-4005-83F8-521936C50D24}"/>
+              </a:ext>
+            </a:extLst>
+          </p:cNvPr>
+          <p:cNvSpPr txBox="1"/>
+          <p:nvPr/>
+        </p:nvSpPr>
+        <p:spPr>
+          <a:xfrm>
+            <a:off x="9701306" y="3348125"/>
+            <a:ext cx="657157" cy="338554"/>
+          </a:xfrm>
+          <a:prstGeom prst="rect">
+            <a:avLst/>
+          </a:prstGeom>
+          <a:noFill/>
+        </p:spPr>
+        <p:txBody>
+          <a:bodyPr wrap="square" rtlCol="0">
+            <a:spAutoFit/>
+          </a:bodyPr>
+          <a:lstStyle/>
+          <a:p>
+            <a:r>
+              <a:rPr lang="en-US" sz="1600" b="1"/>
+              <a:t>F(ce)</a:t>
+            </a:r>
+            <a:endParaRPr lang="en-IN" sz="1600" b="1"/>
+          </a:p>
+        </p:txBody>
+      </p:sp>
+      <p:sp>
+        <p:nvSpPr>
+          <p:cNvPr id="86" name="TextBox 85">
+            <a:extLst>
+              <a:ext uri="{FF2B5EF4-FFF2-40B4-BE49-F238E27FC236}">
+                <a16:creationId xmlns:a16="http://schemas.microsoft.com/office/drawing/2014/main" id="{7586DE0E-C1B2-4768-B84E-F53B58020F75}"/>
+              </a:ext>
+            </a:extLst>
+          </p:cNvPr>
+          <p:cNvSpPr txBox="1"/>
+          <p:nvPr/>
+        </p:nvSpPr>
+        <p:spPr>
+          <a:xfrm>
+            <a:off x="8230908" y="4324569"/>
+            <a:ext cx="657157" cy="338554"/>
+          </a:xfrm>
+          <a:prstGeom prst="rect">
+            <a:avLst/>
+          </a:prstGeom>
+          <a:noFill/>
+        </p:spPr>
+        <p:txBody>
+          <a:bodyPr wrap="square" rtlCol="0">
+            <a:spAutoFit/>
+          </a:bodyPr>
+          <a:lstStyle/>
+          <a:p>
+            <a:r>
+              <a:rPr lang="en-US" sz="1600" b="1"/>
+              <a:t>F(ad)</a:t>
+            </a:r>
+            <a:endParaRPr lang="en-IN" sz="1600" b="1"/>
+          </a:p>
+        </p:txBody>
+      </p:sp>
+      <p:sp>
+        <p:nvSpPr>
+          <p:cNvPr id="87" name="TextBox 86">
+            <a:extLst>
+              <a:ext uri="{FF2B5EF4-FFF2-40B4-BE49-F238E27FC236}">
+                <a16:creationId xmlns:a16="http://schemas.microsoft.com/office/drawing/2014/main" id="{567FE509-CD59-4CD3-8410-7C827938FDB8}"/>
+              </a:ext>
+            </a:extLst>
+          </p:cNvPr>
+          <p:cNvSpPr txBox="1"/>
+          <p:nvPr/>
+        </p:nvSpPr>
+        <p:spPr>
+          <a:xfrm>
+            <a:off x="9476619" y="4282103"/>
+            <a:ext cx="657157" cy="338554"/>
+          </a:xfrm>
+          <a:prstGeom prst="rect">
+            <a:avLst/>
+          </a:prstGeom>
+          <a:noFill/>
+        </p:spPr>
+        <p:txBody>
+          <a:bodyPr wrap="square" rtlCol="0">
+            <a:spAutoFit/>
+          </a:bodyPr>
+          <a:lstStyle/>
+          <a:p>
+            <a:r>
+              <a:rPr lang="en-US" sz="1600" b="1"/>
+              <a:t>F(de)</a:t>
+            </a:r>
+            <a:endParaRPr lang="en-IN" sz="1600" b="1"/>
+          </a:p>
+        </p:txBody>
+      </p:sp>
+      <p:sp>
+        <p:nvSpPr>
+          <p:cNvPr id="88" name="TextBox 87">
+            <a:extLst>
+              <a:ext uri="{FF2B5EF4-FFF2-40B4-BE49-F238E27FC236}">
+                <a16:creationId xmlns:a16="http://schemas.microsoft.com/office/drawing/2014/main" id="{CC7EB293-9C3B-42F3-8689-ABC13307BF2A}"/>
+              </a:ext>
+            </a:extLst>
+          </p:cNvPr>
+          <p:cNvSpPr txBox="1"/>
+          <p:nvPr/>
+        </p:nvSpPr>
+        <p:spPr>
+          <a:xfrm>
+            <a:off x="8007588" y="3296860"/>
+            <a:ext cx="657157" cy="338554"/>
+          </a:xfrm>
+          <a:prstGeom prst="rect">
+            <a:avLst/>
+          </a:prstGeom>
+          <a:noFill/>
+        </p:spPr>
+        <p:txBody>
+          <a:bodyPr wrap="square" rtlCol="0">
+            <a:spAutoFit/>
+          </a:bodyPr>
+          <a:lstStyle/>
+          <a:p>
+            <a:r>
+              <a:rPr lang="en-US" sz="1600" b="1"/>
+              <a:t>F(ac)</a:t>
+            </a:r>
+            <a:endParaRPr lang="en-IN" sz="1600" b="1"/>
+          </a:p>
+        </p:txBody>
+      </p:sp>
+      <p:sp>
+        <p:nvSpPr>
+          <p:cNvPr id="89" name="TextBox 88">
+            <a:extLst>
+              <a:ext uri="{FF2B5EF4-FFF2-40B4-BE49-F238E27FC236}">
+                <a16:creationId xmlns:a16="http://schemas.microsoft.com/office/drawing/2014/main" id="{1B7A6960-F088-4EE2-82F0-125C95A96363}"/>
+              </a:ext>
+            </a:extLst>
+          </p:cNvPr>
+          <p:cNvSpPr txBox="1"/>
+          <p:nvPr/>
+        </p:nvSpPr>
+        <p:spPr>
+          <a:xfrm>
+            <a:off x="9161645" y="3690464"/>
+            <a:ext cx="657157" cy="338554"/>
+          </a:xfrm>
+          <a:prstGeom prst="rect">
+            <a:avLst/>
+          </a:prstGeom>
+          <a:noFill/>
+        </p:spPr>
+        <p:txBody>
+          <a:bodyPr wrap="square" rtlCol="0">
+            <a:spAutoFit/>
+          </a:bodyPr>
+          <a:lstStyle/>
+          <a:p>
+            <a:r>
+              <a:rPr lang="en-US" sz="1600" b="1"/>
+              <a:t>F(cd)</a:t>
+            </a:r>
+            <a:endParaRPr lang="en-IN" sz="1600" b="1"/>
+          </a:p>
+        </p:txBody>
+      </p:sp>
+      <p:sp>
+        <p:nvSpPr>
+          <p:cNvPr id="90" name="TextBox 89">
+            <a:extLst>
+              <a:ext uri="{FF2B5EF4-FFF2-40B4-BE49-F238E27FC236}">
+                <a16:creationId xmlns:a16="http://schemas.microsoft.com/office/drawing/2014/main" id="{75E17294-F898-4DFB-8CCE-944D1638D51E}"/>
+              </a:ext>
+            </a:extLst>
+          </p:cNvPr>
+          <p:cNvSpPr txBox="1"/>
+          <p:nvPr/>
+        </p:nvSpPr>
+        <p:spPr>
+          <a:xfrm>
+            <a:off x="9823616" y="4681150"/>
+            <a:ext cx="1258359" cy="523220"/>
+          </a:xfrm>
+          <a:prstGeom prst="rect">
+            <a:avLst/>
+          </a:prstGeom>
+          <a:noFill/>
+        </p:spPr>
+        <p:txBody>
+          <a:bodyPr wrap="square" rtlCol="0">
+            <a:spAutoFit/>
+          </a:bodyPr>
+          <a:lstStyle/>
+          <a:p>
+            <a:pPr algn="ctr"/>
+            <a:r>
+              <a:rPr lang="en-US" sz="2800" b="1"/>
+              <a:t>500 N</a:t>
+            </a:r>
+            <a:endParaRPr lang="en-IN" sz="2800" b="1"/>
+          </a:p>
+        </p:txBody>
+      </p:sp>
+      <p:sp>
+        <p:nvSpPr>
+          <p:cNvPr id="91" name="Arrow: Notched Right 90">
+            <a:extLst>
+              <a:ext uri="{FF2B5EF4-FFF2-40B4-BE49-F238E27FC236}">
+                <a16:creationId xmlns:a16="http://schemas.microsoft.com/office/drawing/2014/main" id="{835F5AA1-BD3A-42E9-96E1-A9BC2C27996F}"/>
+              </a:ext>
+            </a:extLst>
+          </p:cNvPr>
+          <p:cNvSpPr/>
+          <p:nvPr/>
+        </p:nvSpPr>
+        <p:spPr>
+          <a:xfrm>
+            <a:off x="5687282" y="4072377"/>
+            <a:ext cx="631837" cy="328096"/>
+          </a:xfrm>
+          <a:prstGeom prst="notchedRightArrow">
+            <a:avLst/>
+          </a:prstGeom>
+        </p:spPr>
+        <p:style>
+          <a:lnRef idx="2">
+            <a:schemeClr val="accent1">
+              <a:shade val="50000"/>
+            </a:schemeClr>
+          </a:lnRef>
+          <a:fillRef idx="1">
+            <a:schemeClr val="accent1"/>
+          </a:fillRef>
+          <a:effectRef idx="0">
+            <a:schemeClr val="accent1"/>
+          </a:effectRef>
+          <a:fontRef idx="minor">
+            <a:schemeClr val="lt1"/>
+          </a:fontRef>
+        </p:style>
+        <p:txBody>
+          <a:bodyPr rtlCol="0" anchor="ctr"/>
+          <a:lstStyle/>
+          <a:p>
+            <a:pPr algn="ctr"/>
+            <a:endParaRPr lang="en-IN"/>
+          </a:p>
+        </p:txBody>
+      </p:sp>
+      <p:sp>
+        <p:nvSpPr>
+          <p:cNvPr id="92" name="Arrow: Notched Right 91">
+            <a:extLst>
+              <a:ext uri="{FF2B5EF4-FFF2-40B4-BE49-F238E27FC236}">
+                <a16:creationId xmlns:a16="http://schemas.microsoft.com/office/drawing/2014/main" id="{01DADDAA-2473-4C22-89D0-E497C21B800E}"/>
+              </a:ext>
+            </a:extLst>
+          </p:cNvPr>
+          <p:cNvSpPr/>
+          <p:nvPr/>
+        </p:nvSpPr>
+        <p:spPr>
+          <a:xfrm rot="10800000">
+            <a:off x="4696251" y="4071775"/>
+            <a:ext cx="631837" cy="328096"/>
+          </a:xfrm>
+          <a:prstGeom prst="notchedRightArrow">
+            <a:avLst/>
+          </a:prstGeom>
+        </p:spPr>
+        <p:style>
+          <a:lnRef idx="2">
+            <a:schemeClr val="accent1">
+              <a:shade val="50000"/>
+            </a:schemeClr>
+          </a:lnRef>
+          <a:fillRef idx="1">
+            <a:schemeClr val="accent1"/>
+          </a:fillRef>
+          <a:effectRef idx="0">
+            <a:schemeClr val="accent1"/>
+          </a:effectRef>
+          <a:fontRef idx="minor">
+            <a:schemeClr val="lt1"/>
+          </a:fontRef>
+        </p:style>
+        <p:txBody>
+          <a:bodyPr rtlCol="0" anchor="ctr"/>
+          <a:lstStyle/>
+          <a:p>
+            <a:pPr algn="ctr"/>
+            <a:endParaRPr lang="en-IN"/>
+          </a:p>
+        </p:txBody>
+      </p:sp>
+      <p:sp>
+        <p:nvSpPr>
+          <p:cNvPr id="93" name="Arrow: Notched Right 92">
+            <a:extLst>
+              <a:ext uri="{FF2B5EF4-FFF2-40B4-BE49-F238E27FC236}">
+                <a16:creationId xmlns:a16="http://schemas.microsoft.com/office/drawing/2014/main" id="{56F11FB0-FFBE-4880-A1CD-648488B6FB84}"/>
+              </a:ext>
+            </a:extLst>
+          </p:cNvPr>
+          <p:cNvSpPr/>
+          <p:nvPr/>
+        </p:nvSpPr>
+        <p:spPr>
+          <a:xfrm rot="16200000">
+            <a:off x="3988813" y="2807685"/>
+            <a:ext cx="631837" cy="328096"/>
+          </a:xfrm>
+          <a:prstGeom prst="notchedRightArrow">
+            <a:avLst/>
+          </a:prstGeom>
+        </p:spPr>
+        <p:style>
+          <a:lnRef idx="2">
+            <a:schemeClr val="accent1">
+              <a:shade val="50000"/>
+            </a:schemeClr>
+          </a:lnRef>
+          <a:fillRef idx="1">
+            <a:schemeClr val="accent1"/>
+          </a:fillRef>
+          <a:effectRef idx="0">
+            <a:schemeClr val="accent1"/>
+          </a:effectRef>
+          <a:fontRef idx="minor">
+            <a:schemeClr val="lt1"/>
+          </a:fontRef>
+        </p:style>
+        <p:txBody>
+          <a:bodyPr rtlCol="0" anchor="ctr"/>
+          <a:lstStyle/>
+          <a:p>
+            <a:pPr algn="ctr"/>
+            <a:endParaRPr lang="en-IN"/>
+          </a:p>
+        </p:txBody>
+      </p:sp>
+      <p:sp>
+        <p:nvSpPr>
+          <p:cNvPr id="94" name="Arrow: Notched Right 93">
+            <a:extLst>
+              <a:ext uri="{FF2B5EF4-FFF2-40B4-BE49-F238E27FC236}">
+                <a16:creationId xmlns:a16="http://schemas.microsoft.com/office/drawing/2014/main" id="{EA36DE4D-6518-44C1-B036-4E5172116442}"/>
+              </a:ext>
+            </a:extLst>
+          </p:cNvPr>
+          <p:cNvSpPr/>
+          <p:nvPr/>
+        </p:nvSpPr>
+        <p:spPr>
+          <a:xfrm>
+            <a:off x="4546843" y="2182823"/>
+            <a:ext cx="631837" cy="328096"/>
+          </a:xfrm>
+          <a:prstGeom prst="notchedRightArrow">
+            <a:avLst/>
+          </a:prstGeom>
+        </p:spPr>
+        <p:style>
+          <a:lnRef idx="2">
+            <a:schemeClr val="accent1">
+              <a:shade val="50000"/>
+            </a:schemeClr>
+          </a:lnRef>
+          <a:fillRef idx="1">
+            <a:schemeClr val="accent1"/>
+          </a:fillRef>
+          <a:effectRef idx="0">
+            <a:schemeClr val="accent1"/>
+          </a:effectRef>
+          <a:fontRef idx="minor">
+            <a:schemeClr val="lt1"/>
+          </a:fontRef>
+        </p:style>
+        <p:txBody>
+          <a:bodyPr rtlCol="0" anchor="ctr"/>
+          <a:lstStyle/>
+          <a:p>
+            <a:pPr algn="ctr"/>
+            <a:endParaRPr lang="en-IN"/>
+          </a:p>
+        </p:txBody>
+      </p:sp>
+      <p:sp>
+        <p:nvSpPr>
+          <p:cNvPr id="95" name="Arrow: Notched Right 94">
+            <a:extLst>
+              <a:ext uri="{FF2B5EF4-FFF2-40B4-BE49-F238E27FC236}">
+                <a16:creationId xmlns:a16="http://schemas.microsoft.com/office/drawing/2014/main" id="{498C0A11-AE54-4697-9EF3-CC626928BFD0}"/>
+              </a:ext>
+            </a:extLst>
+          </p:cNvPr>
+          <p:cNvSpPr/>
+          <p:nvPr/>
+        </p:nvSpPr>
+        <p:spPr>
+          <a:xfrm rot="10800000">
+            <a:off x="3555812" y="2182221"/>
+            <a:ext cx="631837" cy="328096"/>
+          </a:xfrm>
+          <a:prstGeom prst="notchedRightArrow">
+            <a:avLst/>
+          </a:prstGeom>
+        </p:spPr>
+        <p:style>
+          <a:lnRef idx="2">
+            <a:schemeClr val="accent1">
+              <a:shade val="50000"/>
+            </a:schemeClr>
+          </a:lnRef>
+          <a:fillRef idx="1">
+            <a:schemeClr val="accent1"/>
+          </a:fillRef>
+          <a:effectRef idx="0">
+            <a:schemeClr val="accent1"/>
+          </a:effectRef>
+          <a:fontRef idx="minor">
+            <a:schemeClr val="lt1"/>
+          </a:fontRef>
+        </p:style>
+        <p:txBody>
+          <a:bodyPr rtlCol="0" anchor="ctr"/>
+          <a:lstStyle/>
+          <a:p>
+            <a:pPr algn="ctr"/>
+            <a:endParaRPr lang="en-IN"/>
+          </a:p>
+        </p:txBody>
+      </p:sp>
+      <p:sp>
+        <p:nvSpPr>
+          <p:cNvPr id="96" name="TextBox 95">
+            <a:extLst>
+              <a:ext uri="{FF2B5EF4-FFF2-40B4-BE49-F238E27FC236}">
+                <a16:creationId xmlns:a16="http://schemas.microsoft.com/office/drawing/2014/main" id="{6C2F4D92-0E30-46BD-A96E-199AEB8BC994}"/>
+              </a:ext>
+            </a:extLst>
+          </p:cNvPr>
+          <p:cNvSpPr txBox="1"/>
+          <p:nvPr/>
+        </p:nvSpPr>
+        <p:spPr>
+          <a:xfrm>
+            <a:off x="4353665" y="2866668"/>
+            <a:ext cx="657157" cy="338554"/>
+          </a:xfrm>
+          <a:prstGeom prst="rect">
+            <a:avLst/>
+          </a:prstGeom>
+          <a:noFill/>
+        </p:spPr>
+        <p:txBody>
+          <a:bodyPr wrap="square" rtlCol="0">
+            <a:spAutoFit/>
+          </a:bodyPr>
+          <a:lstStyle/>
+          <a:p>
+            <a:r>
+              <a:rPr lang="en-US" sz="1600" b="1"/>
+              <a:t>F(ef)</a:t>
+            </a:r>
+            <a:endParaRPr lang="en-IN" sz="1600" b="1"/>
+          </a:p>
+        </p:txBody>
+      </p:sp>
+      <p:sp>
+        <p:nvSpPr>
+          <p:cNvPr id="97" name="TextBox 96">
+            <a:extLst>
+              <a:ext uri="{FF2B5EF4-FFF2-40B4-BE49-F238E27FC236}">
+                <a16:creationId xmlns:a16="http://schemas.microsoft.com/office/drawing/2014/main" id="{72A81C37-13D5-43EB-93CE-739EFCBA5094}"/>
+              </a:ext>
+            </a:extLst>
+          </p:cNvPr>
+          <p:cNvSpPr txBox="1"/>
+          <p:nvPr/>
+        </p:nvSpPr>
+        <p:spPr>
+          <a:xfrm>
+            <a:off x="4772585" y="4329382"/>
+            <a:ext cx="657157" cy="338554"/>
+          </a:xfrm>
+          <a:prstGeom prst="rect">
+            <a:avLst/>
+          </a:prstGeom>
+          <a:noFill/>
+        </p:spPr>
+        <p:txBody>
+          <a:bodyPr wrap="square" rtlCol="0">
+            <a:spAutoFit/>
+          </a:bodyPr>
+          <a:lstStyle/>
+          <a:p>
+            <a:r>
+              <a:rPr lang="en-US" sz="1600" b="1"/>
+              <a:t>F(fh)</a:t>
+            </a:r>
+            <a:endParaRPr lang="en-IN" sz="1600" b="1"/>
+          </a:p>
+        </p:txBody>
+      </p:sp>
+      <p:sp>
+        <p:nvSpPr>
+          <p:cNvPr id="98" name="TextBox 97">
+            <a:extLst>
+              <a:ext uri="{FF2B5EF4-FFF2-40B4-BE49-F238E27FC236}">
+                <a16:creationId xmlns:a16="http://schemas.microsoft.com/office/drawing/2014/main" id="{FA05A17F-B686-439D-8827-F7CEA2A5716E}"/>
+              </a:ext>
+            </a:extLst>
+          </p:cNvPr>
+          <p:cNvSpPr txBox="1"/>
+          <p:nvPr/>
+        </p:nvSpPr>
+        <p:spPr>
+          <a:xfrm>
+            <a:off x="5644830" y="4329011"/>
+            <a:ext cx="657157" cy="338554"/>
+          </a:xfrm>
+          <a:prstGeom prst="rect">
+            <a:avLst/>
+          </a:prstGeom>
+          <a:noFill/>
+        </p:spPr>
+        <p:txBody>
+          <a:bodyPr wrap="square" rtlCol="0">
+            <a:spAutoFit/>
+          </a:bodyPr>
+          <a:lstStyle/>
+          <a:p>
+            <a:r>
+              <a:rPr lang="en-US" sz="1600" b="1"/>
+              <a:t>F(hb)</a:t>
+            </a:r>
+            <a:endParaRPr lang="en-IN" sz="1600" b="1"/>
+          </a:p>
+        </p:txBody>
+      </p:sp>
+      <p:sp>
+        <p:nvSpPr>
+          <p:cNvPr id="99" name="TextBox 98">
+            <a:extLst>
+              <a:ext uri="{FF2B5EF4-FFF2-40B4-BE49-F238E27FC236}">
+                <a16:creationId xmlns:a16="http://schemas.microsoft.com/office/drawing/2014/main" id="{2507F4AD-A7F5-4569-9CE2-D871336E54D7}"/>
+              </a:ext>
+            </a:extLst>
+          </p:cNvPr>
+          <p:cNvSpPr txBox="1"/>
+          <p:nvPr/>
+        </p:nvSpPr>
+        <p:spPr>
+          <a:xfrm>
+            <a:off x="3574665" y="1913579"/>
+            <a:ext cx="657157" cy="338554"/>
+          </a:xfrm>
+          <a:prstGeom prst="rect">
+            <a:avLst/>
+          </a:prstGeom>
+          <a:noFill/>
+        </p:spPr>
+        <p:txBody>
+          <a:bodyPr wrap="square" rtlCol="0">
+            <a:spAutoFit/>
+          </a:bodyPr>
+          <a:lstStyle/>
+          <a:p>
+            <a:r>
+              <a:rPr lang="en-US" sz="1600" b="1"/>
+              <a:t>F(ce)</a:t>
+            </a:r>
+            <a:endParaRPr lang="en-IN" sz="1600" b="1"/>
+          </a:p>
+        </p:txBody>
+      </p:sp>
+      <p:sp>
+        <p:nvSpPr>
+          <p:cNvPr id="100" name="TextBox 99">
+            <a:extLst>
+              <a:ext uri="{FF2B5EF4-FFF2-40B4-BE49-F238E27FC236}">
+                <a16:creationId xmlns:a16="http://schemas.microsoft.com/office/drawing/2014/main" id="{46254F3E-2BBE-4C93-96DD-6BCC2C59290C}"/>
+              </a:ext>
+            </a:extLst>
+          </p:cNvPr>
+          <p:cNvSpPr txBox="1"/>
+          <p:nvPr/>
+        </p:nvSpPr>
+        <p:spPr>
+          <a:xfrm>
+            <a:off x="4545891" y="1890972"/>
+            <a:ext cx="657157" cy="338554"/>
+          </a:xfrm>
+          <a:prstGeom prst="rect">
+            <a:avLst/>
+          </a:prstGeom>
+          <a:noFill/>
+        </p:spPr>
+        <p:txBody>
+          <a:bodyPr wrap="square" rtlCol="0">
+            <a:spAutoFit/>
+          </a:bodyPr>
+          <a:lstStyle/>
+          <a:p>
+            <a:r>
+              <a:rPr lang="en-US" sz="1600" b="1"/>
+              <a:t>F(eg)</a:t>
+            </a:r>
+            <a:endParaRPr lang="en-IN" sz="1600" b="1"/>
+          </a:p>
+        </p:txBody>
+      </p:sp>
+    </p:spTree>
+    <p:extLst>
+      <p:ext uri="{BB962C8B-B14F-4D97-AF65-F5344CB8AC3E}">
+        <p14:creationId xmlns:p14="http://schemas.microsoft.com/office/powerpoint/2010/main" val="2811298243"/>
+      </p:ext>
+    </p:extLst>
+  </p:cSld>
+  <p:clrMapOvr>
+    <a:masterClrMapping/>
+  </p:clrMapOvr>
+</p:sld>
+</file>
+
+<file path=ppt/slides/slide9.xml><?xml version="1.0" encoding="utf-8"?>
+<p:sld xmlns:a="http://schemas.openxmlformats.org/drawingml/2006/main" xmlns:r="http://schemas.openxmlformats.org/officeDocument/2006/relationships" xmlns:p="http://schemas.openxmlformats.org/presentationml/2006/main">
+  <p:cSld>
+    <p:spTree>
+      <p:nvGrpSpPr>
+        <p:cNvPr id="1" name=""/>
+        <p:cNvGrpSpPr/>
+        <p:nvPr/>
+      </p:nvGrpSpPr>
+      <p:grpSpPr>
+        <a:xfrm>
+          <a:off x="0" y="0"/>
+          <a:ext cx="0" cy="0"/>
+          <a:chOff x="0" y="0"/>
+          <a:chExt cx="0" cy="0"/>
+        </a:xfrm>
+      </p:grpSpPr>
+      <p:sp>
+        <p:nvSpPr>
+          <p:cNvPr id="2" name="Rectangle 1">
+            <a:extLst>
+              <a:ext uri="{FF2B5EF4-FFF2-40B4-BE49-F238E27FC236}">
+                <a16:creationId xmlns:a16="http://schemas.microsoft.com/office/drawing/2014/main" id="{3DA275EB-7949-4907-9791-405220884208}"/>
+              </a:ext>
+            </a:extLst>
+          </p:cNvPr>
+          <p:cNvSpPr/>
+          <p:nvPr/>
+        </p:nvSpPr>
+        <p:spPr>
+          <a:xfrm>
+            <a:off x="4917440" y="2814320"/>
+            <a:ext cx="2103120" cy="1107440"/>
+          </a:xfrm>
+          <a:prstGeom prst="rect">
+            <a:avLst/>
+          </a:prstGeom>
+        </p:spPr>
+        <p:style>
+          <a:lnRef idx="2">
+            <a:schemeClr val="accent1">
+              <a:shade val="50000"/>
+            </a:schemeClr>
+          </a:lnRef>
+          <a:fillRef idx="1">
+            <a:schemeClr val="accent1"/>
+          </a:fillRef>
+          <a:effectRef idx="0">
+            <a:schemeClr val="accent1"/>
+          </a:effectRef>
+          <a:fontRef idx="minor">
+            <a:schemeClr val="lt1"/>
+          </a:fontRef>
+        </p:style>
+        <p:txBody>
+          <a:bodyPr rtlCol="0" anchor="ctr"/>
+          <a:lstStyle/>
+          <a:p>
+            <a:pPr algn="ctr"/>
+            <a:endParaRPr lang="en-IN"/>
+          </a:p>
+        </p:txBody>
+      </p:sp>
+      <p:cxnSp>
+        <p:nvCxnSpPr>
+          <p:cNvPr id="5" name="Straight Arrow Connector 4">
+            <a:extLst>
+              <a:ext uri="{FF2B5EF4-FFF2-40B4-BE49-F238E27FC236}">
+                <a16:creationId xmlns:a16="http://schemas.microsoft.com/office/drawing/2014/main" id="{9EDA0840-150F-4F04-B543-F068A84F8D55}"/>
+              </a:ext>
+            </a:extLst>
+          </p:cNvPr>
+          <p:cNvCxnSpPr/>
+          <p:nvPr/>
+        </p:nvCxnSpPr>
+        <p:spPr>
+          <a:xfrm flipH="1">
+            <a:off x="3190240" y="3840480"/>
+            <a:ext cx="1534160" cy="0"/>
+          </a:xfrm>
+          <a:prstGeom prst="straightConnector1">
+            <a:avLst/>
+          </a:prstGeom>
+          <a:ln w="57150">
+            <a:tailEnd type="triangle"/>
+          </a:ln>
+        </p:spPr>
+        <p:style>
+          <a:lnRef idx="1">
+            <a:schemeClr val="dk1"/>
+          </a:lnRef>
+          <a:fillRef idx="0">
+            <a:schemeClr val="dk1"/>
+          </a:fillRef>
+          <a:effectRef idx="0">
+            <a:schemeClr val="dk1"/>
+          </a:effectRef>
+          <a:fontRef idx="minor">
+            <a:schemeClr val="tx1"/>
+          </a:fontRef>
+        </p:style>
+      </p:cxnSp>
+      <p:cxnSp>
+        <p:nvCxnSpPr>
+          <p:cNvPr id="101" name="Straight Arrow Connector 100">
+            <a:extLst>
+              <a:ext uri="{FF2B5EF4-FFF2-40B4-BE49-F238E27FC236}">
+                <a16:creationId xmlns:a16="http://schemas.microsoft.com/office/drawing/2014/main" id="{99C899BB-D7A0-435F-95A7-96D59E86F7FF}"/>
+              </a:ext>
+            </a:extLst>
+          </p:cNvPr>
+          <p:cNvCxnSpPr>
+            <a:cxnSpLocks/>
+          </p:cNvCxnSpPr>
+          <p:nvPr/>
+        </p:nvCxnSpPr>
+        <p:spPr>
+          <a:xfrm>
+            <a:off x="7142480" y="3388360"/>
+            <a:ext cx="1544320" cy="0"/>
+          </a:xfrm>
+          <a:prstGeom prst="straightConnector1">
+            <a:avLst/>
+          </a:prstGeom>
+          <a:ln w="57150">
+            <a:tailEnd type="triangle"/>
+          </a:ln>
+        </p:spPr>
+        <p:style>
+          <a:lnRef idx="1">
+            <a:schemeClr val="dk1"/>
+          </a:lnRef>
+          <a:fillRef idx="0">
+            <a:schemeClr val="dk1"/>
+          </a:fillRef>
+          <a:effectRef idx="0">
+            <a:schemeClr val="dk1"/>
+          </a:effectRef>
+          <a:fontRef idx="minor">
+            <a:schemeClr val="tx1"/>
+          </a:fontRef>
+        </p:style>
+      </p:cxnSp>
+      <p:cxnSp>
+        <p:nvCxnSpPr>
+          <p:cNvPr id="102" name="Straight Arrow Connector 101">
+            <a:extLst>
+              <a:ext uri="{FF2B5EF4-FFF2-40B4-BE49-F238E27FC236}">
+                <a16:creationId xmlns:a16="http://schemas.microsoft.com/office/drawing/2014/main" id="{9B625D7B-CFC4-489A-8040-90B7049E3EF4}"/>
+              </a:ext>
+            </a:extLst>
+          </p:cNvPr>
+          <p:cNvCxnSpPr>
+            <a:cxnSpLocks/>
+          </p:cNvCxnSpPr>
+          <p:nvPr/>
+        </p:nvCxnSpPr>
+        <p:spPr>
+          <a:xfrm>
+            <a:off x="5963920" y="1717040"/>
+            <a:ext cx="0" cy="1097280"/>
+          </a:xfrm>
+          <a:prstGeom prst="straightConnector1">
+            <a:avLst/>
+          </a:prstGeom>
+          <a:ln w="57150">
+            <a:tailEnd type="triangle"/>
+          </a:ln>
+        </p:spPr>
+        <p:style>
+          <a:lnRef idx="1">
+            <a:schemeClr val="dk1"/>
+          </a:lnRef>
+          <a:fillRef idx="0">
+            <a:schemeClr val="dk1"/>
+          </a:fillRef>
+          <a:effectRef idx="0">
+            <a:schemeClr val="dk1"/>
+          </a:effectRef>
+          <a:fontRef idx="minor">
+            <a:schemeClr val="tx1"/>
+          </a:fontRef>
+        </p:style>
+      </p:cxnSp>
+      <p:cxnSp>
+        <p:nvCxnSpPr>
+          <p:cNvPr id="103" name="Straight Arrow Connector 102">
+            <a:extLst>
+              <a:ext uri="{FF2B5EF4-FFF2-40B4-BE49-F238E27FC236}">
+                <a16:creationId xmlns:a16="http://schemas.microsoft.com/office/drawing/2014/main" id="{E9975ED2-B117-4EC2-88A9-7675853E0DBE}"/>
+              </a:ext>
+            </a:extLst>
+          </p:cNvPr>
+          <p:cNvCxnSpPr>
+            <a:cxnSpLocks/>
+            <a:endCxn id="2" idx="2"/>
+          </p:cNvCxnSpPr>
+          <p:nvPr/>
+        </p:nvCxnSpPr>
+        <p:spPr>
+          <a:xfrm flipV="1">
+            <a:off x="5963920" y="3921760"/>
+            <a:ext cx="5080" cy="1107440"/>
+          </a:xfrm>
+          <a:prstGeom prst="straightConnector1">
+            <a:avLst/>
+          </a:prstGeom>
+          <a:ln w="57150">
+            <a:tailEnd type="triangle"/>
+          </a:ln>
+        </p:spPr>
+        <p:style>
+          <a:lnRef idx="1">
+            <a:schemeClr val="dk1"/>
+          </a:lnRef>
+          <a:fillRef idx="0">
+            <a:schemeClr val="dk1"/>
+          </a:fillRef>
+          <a:effectRef idx="0">
+            <a:schemeClr val="dk1"/>
+          </a:effectRef>
+          <a:fontRef idx="minor">
+            <a:schemeClr val="tx1"/>
+          </a:fontRef>
+        </p:style>
+      </p:cxnSp>
+      <p:cxnSp>
+        <p:nvCxnSpPr>
+          <p:cNvPr id="104" name="Straight Arrow Connector 103">
+            <a:extLst>
+              <a:ext uri="{FF2B5EF4-FFF2-40B4-BE49-F238E27FC236}">
+                <a16:creationId xmlns:a16="http://schemas.microsoft.com/office/drawing/2014/main" id="{415C5EC7-0CC6-4F4B-9444-EA09EAAECF91}"/>
+              </a:ext>
+            </a:extLst>
+          </p:cNvPr>
+          <p:cNvCxnSpPr>
+            <a:cxnSpLocks/>
+          </p:cNvCxnSpPr>
+          <p:nvPr/>
+        </p:nvCxnSpPr>
+        <p:spPr>
+          <a:xfrm flipH="1" flipV="1">
+            <a:off x="5974080" y="3921760"/>
+            <a:ext cx="746760" cy="1005840"/>
+          </a:xfrm>
+          <a:prstGeom prst="straightConnector1">
+            <a:avLst/>
+          </a:prstGeom>
+          <a:ln w="57150">
+            <a:tailEnd type="triangle"/>
+          </a:ln>
+        </p:spPr>
+        <p:style>
+          <a:lnRef idx="1">
+            <a:schemeClr val="dk1"/>
+          </a:lnRef>
+          <a:fillRef idx="0">
+            <a:schemeClr val="dk1"/>
+          </a:fillRef>
+          <a:effectRef idx="0">
+            <a:schemeClr val="dk1"/>
+          </a:effectRef>
+          <a:fontRef idx="minor">
+            <a:schemeClr val="tx1"/>
+          </a:fontRef>
+        </p:style>
+      </p:cxnSp>
+      <p:sp>
+        <p:nvSpPr>
+          <p:cNvPr id="105" name="TextBox 104">
+            <a:extLst>
+              <a:ext uri="{FF2B5EF4-FFF2-40B4-BE49-F238E27FC236}">
+                <a16:creationId xmlns:a16="http://schemas.microsoft.com/office/drawing/2014/main" id="{ACFAD0DA-54B8-47C0-983E-CAC02D98062D}"/>
+              </a:ext>
+            </a:extLst>
+          </p:cNvPr>
+          <p:cNvSpPr txBox="1"/>
+          <p:nvPr/>
+        </p:nvSpPr>
+        <p:spPr>
+          <a:xfrm>
+            <a:off x="3548493" y="3347740"/>
+            <a:ext cx="1242756" cy="523220"/>
+          </a:xfrm>
+          <a:prstGeom prst="rect">
+            <a:avLst/>
+          </a:prstGeom>
+          <a:noFill/>
+        </p:spPr>
+        <p:txBody>
+          <a:bodyPr wrap="square" rtlCol="0">
+            <a:spAutoFit/>
+          </a:bodyPr>
+          <a:lstStyle/>
+          <a:p>
+            <a:r>
+              <a:rPr lang="en-US" sz="2800" b="1"/>
+              <a:t>F(SL)</a:t>
+            </a:r>
+            <a:endParaRPr lang="en-IN" sz="2800" b="1"/>
+          </a:p>
+        </p:txBody>
+      </p:sp>
+      <p:sp>
+        <p:nvSpPr>
+          <p:cNvPr id="106" name="TextBox 105">
+            <a:extLst>
+              <a:ext uri="{FF2B5EF4-FFF2-40B4-BE49-F238E27FC236}">
+                <a16:creationId xmlns:a16="http://schemas.microsoft.com/office/drawing/2014/main" id="{5C7CD2BF-4549-41AC-AB2C-2078696196B2}"/>
+              </a:ext>
+            </a:extLst>
+          </p:cNvPr>
+          <p:cNvSpPr txBox="1"/>
+          <p:nvPr/>
+        </p:nvSpPr>
+        <p:spPr>
+          <a:xfrm>
+            <a:off x="8067040" y="2814320"/>
+            <a:ext cx="367378" cy="523220"/>
+          </a:xfrm>
+          <a:prstGeom prst="rect">
+            <a:avLst/>
+          </a:prstGeom>
+          <a:noFill/>
+        </p:spPr>
+        <p:txBody>
+          <a:bodyPr wrap="square" rtlCol="0">
+            <a:spAutoFit/>
+          </a:bodyPr>
+          <a:lstStyle/>
+          <a:p>
+            <a:r>
+              <a:rPr lang="en-US" sz="2800" b="1"/>
+              <a:t>P</a:t>
+            </a:r>
+            <a:endParaRPr lang="en-IN" sz="2800" b="1"/>
+          </a:p>
+        </p:txBody>
+      </p:sp>
+      <p:sp>
+        <p:nvSpPr>
+          <p:cNvPr id="108" name="TextBox 107">
+            <a:extLst>
+              <a:ext uri="{FF2B5EF4-FFF2-40B4-BE49-F238E27FC236}">
+                <a16:creationId xmlns:a16="http://schemas.microsoft.com/office/drawing/2014/main" id="{1D00F0FB-B3EF-4FBD-907D-0D603CA53540}"/>
+              </a:ext>
+            </a:extLst>
+          </p:cNvPr>
+          <p:cNvSpPr txBox="1"/>
+          <p:nvPr/>
+        </p:nvSpPr>
+        <p:spPr>
+          <a:xfrm>
+            <a:off x="5708302" y="1285260"/>
+            <a:ext cx="367378" cy="523220"/>
+          </a:xfrm>
+          <a:prstGeom prst="rect">
+            <a:avLst/>
+          </a:prstGeom>
+          <a:noFill/>
+        </p:spPr>
+        <p:txBody>
+          <a:bodyPr wrap="square" rtlCol="0">
+            <a:spAutoFit/>
+          </a:bodyPr>
+          <a:lstStyle/>
+          <a:p>
+            <a:r>
+              <a:rPr lang="en-US" sz="2800" b="1"/>
+              <a:t>W</a:t>
+            </a:r>
+            <a:endParaRPr lang="en-IN" sz="2800" b="1"/>
+          </a:p>
+        </p:txBody>
+      </p:sp>
+      <p:sp>
+        <p:nvSpPr>
+          <p:cNvPr id="109" name="TextBox 108">
+            <a:extLst>
+              <a:ext uri="{FF2B5EF4-FFF2-40B4-BE49-F238E27FC236}">
+                <a16:creationId xmlns:a16="http://schemas.microsoft.com/office/drawing/2014/main" id="{C9C7FDCD-E9B5-4335-A227-1CCA68739305}"/>
+              </a:ext>
+            </a:extLst>
+          </p:cNvPr>
+          <p:cNvSpPr txBox="1"/>
+          <p:nvPr/>
+        </p:nvSpPr>
+        <p:spPr>
+          <a:xfrm>
+            <a:off x="5780231" y="5029200"/>
+            <a:ext cx="367378" cy="523220"/>
+          </a:xfrm>
+          <a:prstGeom prst="rect">
+            <a:avLst/>
+          </a:prstGeom>
+          <a:noFill/>
+        </p:spPr>
+        <p:txBody>
+          <a:bodyPr wrap="square" rtlCol="0">
+            <a:spAutoFit/>
+          </a:bodyPr>
+          <a:lstStyle/>
+          <a:p>
+            <a:r>
+              <a:rPr lang="en-US" sz="2800" b="1"/>
+              <a:t>N</a:t>
+            </a:r>
+            <a:endParaRPr lang="en-IN" sz="2800" b="1"/>
+          </a:p>
+        </p:txBody>
+      </p:sp>
+      <p:sp>
+        <p:nvSpPr>
+          <p:cNvPr id="110" name="TextBox 109">
+            <a:extLst>
+              <a:ext uri="{FF2B5EF4-FFF2-40B4-BE49-F238E27FC236}">
+                <a16:creationId xmlns:a16="http://schemas.microsoft.com/office/drawing/2014/main" id="{D2194DA1-3897-46BF-B3EA-7DC12B2C27FF}"/>
+              </a:ext>
+            </a:extLst>
+          </p:cNvPr>
+          <p:cNvSpPr txBox="1"/>
+          <p:nvPr/>
+        </p:nvSpPr>
+        <p:spPr>
+          <a:xfrm>
+            <a:off x="6720839" y="4767590"/>
+            <a:ext cx="666289" cy="523220"/>
+          </a:xfrm>
+          <a:prstGeom prst="rect">
+            <a:avLst/>
+          </a:prstGeom>
+          <a:noFill/>
+        </p:spPr>
+        <p:txBody>
+          <a:bodyPr wrap="square" rtlCol="0">
+            <a:spAutoFit/>
+          </a:bodyPr>
+          <a:lstStyle/>
+          <a:p>
+            <a:r>
+              <a:rPr lang="en-US" sz="2800" b="1"/>
+              <a:t>N’</a:t>
+            </a:r>
+            <a:endParaRPr lang="en-IN" sz="2800" b="1"/>
+          </a:p>
+        </p:txBody>
+      </p:sp>
+      <p:sp>
+        <p:nvSpPr>
+          <p:cNvPr id="12" name="Arc 11">
+            <a:extLst>
+              <a:ext uri="{FF2B5EF4-FFF2-40B4-BE49-F238E27FC236}">
+                <a16:creationId xmlns:a16="http://schemas.microsoft.com/office/drawing/2014/main" id="{357FCDD8-0D8D-4EEF-96A4-954DC6D83F1F}"/>
+              </a:ext>
+            </a:extLst>
+          </p:cNvPr>
+          <p:cNvSpPr/>
+          <p:nvPr/>
+        </p:nvSpPr>
+        <p:spPr>
+          <a:xfrm flipV="1">
+            <a:off x="5252316" y="3243581"/>
+            <a:ext cx="1423208" cy="1457959"/>
+          </a:xfrm>
+          <a:prstGeom prst="arc">
+            <a:avLst>
+              <a:gd name="adj1" fmla="val 16200000"/>
+              <a:gd name="adj2" fmla="val 18455768"/>
+            </a:avLst>
+          </a:prstGeom>
+          <a:ln w="57150"/>
+        </p:spPr>
+        <p:style>
+          <a:lnRef idx="1">
+            <a:schemeClr val="dk1"/>
+          </a:lnRef>
+          <a:fillRef idx="0">
+            <a:schemeClr val="dk1"/>
+          </a:fillRef>
+          <a:effectRef idx="0">
+            <a:schemeClr val="dk1"/>
+          </a:effectRef>
+          <a:fontRef idx="minor">
+            <a:schemeClr val="tx1"/>
+          </a:fontRef>
+        </p:style>
+        <p:txBody>
+          <a:bodyPr rtlCol="0" anchor="ctr"/>
+          <a:lstStyle/>
+          <a:p>
+            <a:pPr algn="ctr"/>
+            <a:endParaRPr lang="en-IN"/>
+          </a:p>
+        </p:txBody>
+      </p:sp>
+      <mc:AlternateContent xmlns:mc="http://schemas.openxmlformats.org/markup-compatibility/2006">
+        <mc:Choice xmlns:a14="http://schemas.microsoft.com/office/drawing/2010/main" Requires="a14">
+          <p:sp>
+            <p:nvSpPr>
+              <p:cNvPr id="14" name="TextBox 13">
+                <a:extLst>
+                  <a:ext uri="{FF2B5EF4-FFF2-40B4-BE49-F238E27FC236}">
+                    <a16:creationId xmlns:a16="http://schemas.microsoft.com/office/drawing/2014/main" id="{31CF57E6-63BC-42FC-A72B-C8A3F1DF2C6D}"/>
+                  </a:ext>
+                </a:extLst>
+              </p:cNvPr>
+              <p:cNvSpPr txBox="1"/>
+              <p:nvPr/>
+            </p:nvSpPr>
+            <p:spPr>
+              <a:xfrm>
+                <a:off x="6095191" y="4649927"/>
+                <a:ext cx="360676" cy="430887"/>
+              </a:xfrm>
+              <a:prstGeom prst="rect">
+                <a:avLst/>
+              </a:prstGeom>
+              <a:noFill/>
+            </p:spPr>
+            <p:txBody>
+              <a:bodyPr wrap="none" lIns="0" tIns="0" rIns="0" bIns="0" rtlCol="0">
+                <a:spAutoFit/>
+              </a:bodyPr>
+              <a:lstStyle/>
+              <a:p>
+                <a14:m>
+                  <m:oMathPara xmlns:m="http://schemas.openxmlformats.org/officeDocument/2006/math">
+                    <m:oMathParaPr>
+                      <m:jc m:val="centerGroup"/>
+                    </m:oMathParaPr>
+                    <m:oMath xmlns:m="http://schemas.openxmlformats.org/officeDocument/2006/math">
+                      <m:r>
+                        <a:rPr lang="en-IN" sz="2800" b="1" i="0" smtClean="0">
+                          <a:latin typeface="Cambria Math" panose="02040503050406030204" pitchFamily="18" charset="0"/>
+                          <a:ea typeface="Cambria Math" panose="02040503050406030204" pitchFamily="18" charset="0"/>
+                        </a:rPr>
+                        <m:t>𝛟</m:t>
+                      </m:r>
+                    </m:oMath>
+                  </m:oMathPara>
+                </a14:m>
+                <a:endParaRPr lang="en-IN" sz="2800" b="1"/>
+              </a:p>
+            </p:txBody>
+          </p:sp>
+        </mc:Choice>
+        <mc:Fallback>
+          <p:sp>
+            <p:nvSpPr>
+              <p:cNvPr id="14" name="TextBox 13">
+                <a:extLst>
+                  <a:ext uri="{FF2B5EF4-FFF2-40B4-BE49-F238E27FC236}">
+                    <a16:creationId xmlns:a16="http://schemas.microsoft.com/office/drawing/2014/main" id="{31CF57E6-63BC-42FC-A72B-C8A3F1DF2C6D}"/>
+                  </a:ext>
+                </a:extLst>
+              </p:cNvPr>
+              <p:cNvSpPr txBox="1">
+                <a:spLocks noRot="1" noChangeAspect="1" noMove="1" noResize="1" noEditPoints="1" noAdjustHandles="1" noChangeArrowheads="1" noChangeShapeType="1" noTextEdit="1"/>
+              </p:cNvSpPr>
+              <p:nvPr/>
+            </p:nvSpPr>
+            <p:spPr>
+              <a:xfrm>
+                <a:off x="6095191" y="4649927"/>
+                <a:ext cx="360676" cy="430887"/>
+              </a:xfrm>
+              <a:prstGeom prst="rect">
+                <a:avLst/>
+              </a:prstGeom>
+              <a:blipFill>
+                <a:blip r:embed="rId2"/>
+                <a:stretch>
+                  <a:fillRect/>
+                </a:stretch>
+              </a:blipFill>
+            </p:spPr>
+            <p:txBody>
+              <a:bodyPr/>
+              <a:lstStyle/>
+              <a:p>
+                <a:r>
+                  <a:rPr lang="en-IN">
+                    <a:noFill/>
+                  </a:rPr>
+                  <a:t> </a:t>
+                </a:r>
+              </a:p>
+            </p:txBody>
+          </p:sp>
+        </mc:Fallback>
+      </mc:AlternateContent>
+      <p:cxnSp>
+        <p:nvCxnSpPr>
+          <p:cNvPr id="17" name="Straight Connector 16">
+            <a:extLst>
+              <a:ext uri="{FF2B5EF4-FFF2-40B4-BE49-F238E27FC236}">
+                <a16:creationId xmlns:a16="http://schemas.microsoft.com/office/drawing/2014/main" id="{40270288-230A-4EAD-8CAB-91B829F9B2AF}"/>
+              </a:ext>
+            </a:extLst>
+          </p:cNvPr>
+          <p:cNvCxnSpPr/>
+          <p:nvPr/>
+        </p:nvCxnSpPr>
+        <p:spPr>
+          <a:xfrm>
+            <a:off x="3007360" y="3921760"/>
+            <a:ext cx="6045200" cy="0"/>
+          </a:xfrm>
+          <a:prstGeom prst="line">
+            <a:avLst/>
+          </a:prstGeom>
+        </p:spPr>
+        <p:style>
+          <a:lnRef idx="1">
+            <a:schemeClr val="dk1"/>
+          </a:lnRef>
+          <a:fillRef idx="0">
+            <a:schemeClr val="dk1"/>
+          </a:fillRef>
+          <a:effectRef idx="0">
+            <a:schemeClr val="dk1"/>
+          </a:effectRef>
+          <a:fontRef idx="minor">
+            <a:schemeClr val="tx1"/>
+          </a:fontRef>
+        </p:style>
+      </p:cxnSp>
+    </p:spTree>
+    <p:extLst>
+      <p:ext uri="{BB962C8B-B14F-4D97-AF65-F5344CB8AC3E}">
+        <p14:creationId xmlns:p14="http://schemas.microsoft.com/office/powerpoint/2010/main" val="2278945988"/>
       </p:ext>
     </p:extLst>
   </p:cSld>
